--- a/Part III deep-neural-network/01_practical-aspects-of-deep-learning/03_setting-up-your-optimization-problem/05_gradient-checking_C2W1L09.pptx
+++ b/Part III deep-neural-network/01_practical-aspects-of-deep-learning/03_setting-up-your-optimization-problem/05_gradient-checking_C2W1L09.pptx
@@ -119,10 +119,6 @@
 </p:presentation>
 </file>
 
-<file path=ppt/revisionInfo.xml><?xml version="1.0" encoding="utf-8"?>
-<p1510:revInfo xmlns:a="http://schemas.openxmlformats.org/drawingml/2006/main" xmlns:r="http://schemas.openxmlformats.org/officeDocument/2006/relationships" xmlns:p1510="http://schemas.microsoft.com/office/powerpoint/2015/10/main"/>
-</file>
-
 <file path=ppt/ink/ink1.xml><?xml version="1.0" encoding="utf-8"?>
 <inkml:ink xmlns:inkml="http://www.w3.org/2003/InkML">
   <inkml:definitions>
@@ -159,9 +155,9 @@
   <inkml:trace contextRef="#ctx0" brushRef="#br0" timeOffset="10384.5122">6703 6579 0,'0'0'16,"-35"18"-16,17-18 15,18-18 1,0-52 0,0 34-16,35-34 15,-17 52-15,17-35 16,-17 53-16,-1 0 15,-17 18-15,18 0 16,-18-1-16,0 19 16,0-1-16,0-18 0,18 36 15,-1-35-15,1 17 16,0-17-16,-1-18 16</inkml:trace>
   <inkml:trace contextRef="#ctx0" brushRef="#br0" timeOffset="10926.9466">6985 6403 0,'-35'35'15,"17"0"-15,0 18 16,18-35-16,18 17 16,35 1-16,0-19 15,17-17-15,-34 0 16,52-35-16,-70 17 15,17-17 1,-17 0-16,-18-1 16,-18 36-16,-17 0 15,-1 0-15,-17 36 16,36-19-16,-19 54 16,36-53-16,18 17 15,17-17-15,-17-18 16,70 0-16,-52-18 15,-1 18-15,18-35 16,-36 17-16,-17 0 0,18 1 16,-18-1-16,-18 18 0,-17 0 15,17 18 1,1 17 0,17 0-16,17 1 15,1-19-15,0 1 0,-1-18 16,36 0-16,-17 0 15,-19-18 1,1 1-16,-18-1 16,0 0-16,0 1 0,-18 17 15,18-18-15,18 18 32,17 0-17,-17 0-15,17 18 16</inkml:trace>
   <inkml:trace contextRef="#ctx0" brushRef="#br0" timeOffset="11567.4952">7620 6509 0,'-18'0'0,"36"0"16,0 0 0,-1-18-1,19 18-15,-19-18 16,18 18-16,1-17 16,-19 17-16,19 0 15,-36-18-15,-18 18 31,0 0-15</inkml:trace>
-  <inkml:trace contextRef="#ctx0" brushRef="#br0" timeOffset="11773.3591">7673 6191 0,'0'88'16,"0"-176"-16,0 212 0,0-71 0,35 35 16,-35-53-16,18 36 15,-1-36-15,1-17 16,-18 17-16,35-17 16,-17-18-16</inkml:trace>
+  <inkml:trace contextRef="#ctx0" brushRef="#br0" timeOffset="11773.359">7673 6191 0,'0'88'16,"0"-176"-16,0 212 0,0-71 0,35 35 16,-35-53-16,18 36 15,-1-36-15,1-17 16,-18 17-16,35-17 16,-17-18-16</inkml:trace>
   <inkml:trace contextRef="#ctx0" brushRef="#br0" timeOffset="12213.6708">7832 6562 0,'17'17'15,"1"1"1,0-18-16,-1 0 16,19-18-16,-19 1 15,1-19-15,-18 19 16,0-1-16,-18 0 15,1 1 1,-1 17-16,0 0 0,1 17 16,17 1-16,0 0 15,0 35-15,17-18 16,1-17-16,0 17 0,17 0 16,-18-35-16,19 18 15,-36-36 16,0 1-31,0-1 16,0 0-16,0 1 16,0-1-16,0-17 15,17 35-15,-17-18 16,18 18-16,0 0 0,-1 0 16,1 0-16,17 35 15,-17-35-15,-1 36 16,1-36-16,0 17 15,-1-17 1,1 0 0</inkml:trace>
-  <inkml:trace contextRef="#ctx0" brushRef="#br0" timeOffset="12553.8753">8326 6491 0,'-18'0'31,"0"53"-31,1-35 15,-1 35-15,18-36 16,0 1-16,18 17 16,-1-35-16,19 18 15,-19-18 1,18-35-16,-35 17 16,0-17-1,0 17-15,-17 0 16,17 36-1,17 0 1,1-18 0,0 17-16,-1-17 0,1 0 15,35 0-15,-35-17 16,-1-1-16,-17 0 16,0-17-16,0 17 15,0-17-15,0 0 16,-17-18-16,17 0 15</inkml:trace>
+  <inkml:trace contextRef="#ctx0" brushRef="#br0" timeOffset="12553.8752">8326 6491 0,'-18'0'31,"0"53"-31,1-35 15,-1 35-15,18-36 16,0 1-16,18 17 16,-1-35-16,19 18 15,-19-18 1,18-35-16,-35 17 16,0-17-1,0 17-15,-17 0 16,17 36-1,17 0 1,1-18 0,0 17-16,-1-17 0,1 0 15,35 0-15,-35-17 16,-1-1-16,-17 0 16,0-17-16,0 17 15,0-17-15,0 0 16,-17-18-16,17 0 15</inkml:trace>
   <inkml:trace contextRef="#ctx0" brushRef="#br0" timeOffset="12680.6617">8467 6138 0,'17'36'15,"-17"-1"-15,18 88 16,0-70-16,-1 0 0,1 0 16,17 35-16,-17-52 15,17-1-15,-35-17 16,18-1-16</inkml:trace>
   <inkml:trace contextRef="#ctx0" brushRef="#br0" timeOffset="12818.2966">8484 6491 0,'18'-18'15,"0"18"-15,17-17 16,-17 17-16,-1 0 15,18 0-15,-17-18 0,0 18 0</inkml:trace>
   <inkml:trace contextRef="#ctx0" brushRef="#br0" timeOffset="13119.5498">8696 6562 0,'35'0'16,"-17"0"-16,35-36 15,-36 19-15,19-19 16,-19 19-16,-17-1 16,-35 1-16,0-1 15,-53 18-15,52 18 16,-34 17 0,52-18-16,1 1 0,17 17 15,17 1-15,18-1 0,54 18 16,-36-35-16,17-18 15,54 17 1,-1-17-16,-88 0 0,1 0 16,-19-17-1,-70 17 1</inkml:trace>
@@ -203,12 +199,12 @@
   <inkml:trace contextRef="#ctx0" brushRef="#br0" timeOffset="29729.9696">20355 6914 0,'0'0'16,"18"-17"-16,17-1 15,36 36-15,-36-1 0,0 19 16,18 17-16,-17 0 16,34 88-16,-35-71 15,18 89-15,-35-88 16,0 52-1,-18-70-15,0 0 0,-18 0 16,-53 17-16,18-34 16,-70 34-16,52-35 15</inkml:trace>
   <inkml:trace contextRef="#ctx0" brushRef="#br0" timeOffset="38867.013">3669 11077 0,'35'18'32,"36"17"-17,-1-35-15,89 18 16,-71-18-1,0 0-15,18 0 0,106-18 16,-106 1-16,-18 17 16,71-36-16,-106 36 15,-18 0-15,-17-17 0</inkml:trace>
   <inkml:trace contextRef="#ctx0" brushRef="#br0" timeOffset="39312.4743">6897 11060 0,'17'0'31,"1"0"-31,17 0 0,89 0 16,-36-18-16,0 18 15,-17-18-15,17 18 0,71 0 16,-89 0-1,-17-17-15</inkml:trace>
-  <inkml:trace contextRef="#ctx0" brushRef="#br0" timeOffset="39750.6456">11060 11077 0,'35'18'0,"18"0"15,0-18-15,53-18 16,-36 18-16,89-35 16,-71 17-16,53-17 15,-70 35-15,17-36 16</inkml:trace>
+  <inkml:trace contextRef="#ctx0" brushRef="#br0" timeOffset="39750.6455">11060 11077 0,'35'18'0,"18"0"15,0-18-15,53-18 16,-36 18-16,89-35 16,-71 17-16,53-17 15,-70 35-15,17-36 16</inkml:trace>
   <inkml:trace contextRef="#ctx0" brushRef="#br0" timeOffset="40229.9182">14235 11148 0,'35'0'15,"0"17"-15,18-17 16,88 0-16,-53 0 15,142 0 1,-107-17-16,1-1 0,-19 18 16,1-17-16,-18 17 0,-17 0 15</inkml:trace>
   <inkml:trace contextRef="#ctx0" brushRef="#br0" timeOffset="41602.9972">32262 11095 0,'17'0'47,"36"0"-32,53 0-15,-36 0 16,89 0-16,-53 0 15,88 0-15,-88 0 16,53 0 0,-106 18-16,-18-18 15</inkml:trace>
-  <inkml:trace contextRef="#ctx0" brushRef="#br0" timeOffset="48626.7456">4304 11236 0,'0'-18'0,"0"1"79,0-1-48,0 0 31,-18 18-62,18 18 32,0 0-17,-17-1 1,17 1-16,0 17 15,0-17-15,0 17 16,0-17-16,0 17 16,0 0-1,17-17-15,1 17 0,17 1 16,-17-1-16,70 53 16,-53-53-16,71 71 15,-53-71-15,71 54 16,-54-54-16,1 0 15,-18 0-15,70 18 16,-88-35-16,53 17 16,-52-17-16,-1 0 0,0-18 15,1 17-15,-19 1 16</inkml:trace>
+  <inkml:trace contextRef="#ctx0" brushRef="#br0" timeOffset="48626.7455">4304 11236 0,'0'-18'0,"0"1"79,0-1-48,0 0 31,-18 18-62,18 18 32,0 0-17,-17-1 1,17 1-16,0 17 15,0-17-15,0 17 16,0-17-16,0 17 16,0 0-1,17-17-15,1 17 0,17 1 16,-17-1-16,70 53 16,-53-53-16,71 71 15,-53-71-15,71 54 16,-54-54-16,1 0 15,-18 0-15,70 18 16,-88-35-16,53 17 16,-52-17-16,-1 0 0,0-18 15,1 17-15,-19 1 16</inkml:trace>
   <inkml:trace contextRef="#ctx0" brushRef="#br0" timeOffset="50411.4606">7320 11254 0,'0'-18'31,"-17"36"-15,17 17-1,-18 35 1,18-17-16,-18 0 0,18 53 16,0-35-16,0 35 15,0-54-15,0 37 16,0-54 0,0 35-16,-17-52 15,-1 17-15</inkml:trace>
-  <inkml:trace contextRef="#ctx0" brushRef="#br0" timeOffset="51847.609">11536 11130 0,'17'18'94,"-17"-1"-79,18 1 1,-18 0-16,0 17 15,0-17-15,0 52 16,-18-35-16,1 36 16,-1-18-16,-17 35 15,17-53-15,-17 18 0,-53 36 16,35-54-16,-53 53 16,36-53-1,17 1-15,-53 34 16,53-52-16,0 17 0,0 0 15,-35 1 1,0-1-16,52-18 0,19 1 16,-1-18-16</inkml:trace>
+  <inkml:trace contextRef="#ctx0" brushRef="#br0" timeOffset="51847.6089">11536 11130 0,'17'18'94,"-17"-1"-79,18 1 1,-18 0-16,0 17 15,0-17-15,0 52 16,-18-35-16,1 36 16,-1-18-16,-17 35 15,17-53-15,-17 18 0,-53 36 16,35-54-16,-53 53 16,36-53-1,17 1-15,-53 34 16,53-52-16,0 17 0,0 0 15,-35 1 1,0-1-16,52-18 0,19 1 16,-1-18-16</inkml:trace>
   <inkml:trace contextRef="#ctx0" brushRef="#br0" timeOffset="57275.3903">3334 11148 0,'-18'0'16,"0"0"-16,36 0 47,35-18-32,-18 18 1,54 0-16,-37-17 16,90 17-16,-72 0 15,18 0-15,124 0 16,-106 0-16,158-18 15,-140 18-15,105-18 16,-123 1-16,70 17 16,-87 0-16,52 0 15,-88 17-15,35-17 16,-53 0-16,36 0 16,-36 0-1,18 0-15,-18 0 16,0-17-16,-17 17 15,0 0 1,-18-18 47,0 0-17,17 1-30,-17-1-16,18-35 16,-18 35-16,18-70 15,-18 35-15,17-52 16,-17 52-16,18-88 16,-1 70-1,-17 0-15,18-87 16,0 34-16,-1 54 15,1-19-15,-18 1 16,0 35 0,0 36-16,18-36 15,-18 35-15,0 0 16,0 1-16,17-18 16,-17 17-16,-17 18 31,-19 18-16,19-18-15,-36 17 16,18-17-16,-54 18 16,19-18-16,-89 0 15,53 0-15,18 0 16,-35 0-16,17 0 0,-18 0 16,-17-18-16,0 18 15,-18 0-15,18 0 0,-18 0 16,18-17-16,-141 17 15,176 0-15,0 0 16,36 0-16,-1 17 0,1-17 16,17 18-16,0-1 15,35-17-15,18 18 16,0 0-16,18-1 16,-18 1-16,18 0 15,-18-1-15,0 1 16,0 17-16,0 1 0,0 69 15,0-34-15,-18 141 16,18-89-16,0 1 16,0 122-16,18-16 15,-1-142-15,-17 0 16,18-17-16,35 35 16,-18-71-16,-17-35 15</inkml:trace>
   <inkml:trace contextRef="#ctx0" brushRef="#br0" timeOffset="58569.9878">3069 4039 0,'-17'0'0,"17"18"16,0 35-16,0-18 15,0 18-15,0 0 16,0 0-16,0 0 0,0 106 15,0-89-15,0 124 16,-18-106-16,18 89 16,-18-107-16,36 54 15,-18-71-15,35 17 16,-17-34 0,-1-19-16,19-17 0,34 18 15,-17-18-15,0 0 16,0 0-16,18 0 0,70 0 15,-53 0 1,0 0-16,106 17 16,-88-17-16,0 0 0,141 18 15,-124-18-15,89 0 16,-106 0-16,52 0 16,-87-18-16,0 1 15,52-18 1,-88 35-16,36-36 15,-53 36-15,-1-17 0,1-1 16,-18 0 0,0-17-1,-18 17-15,18-17 0,0 0 16,0-36 0,18-52-16,-18 35 15,17 17-15,1-17 0,0-18 16,17-70-16,-17 87 15,-1 19-15,1-1 16,-18 18-16,0 1 0,0 16 16,0-17-16,0 18 0,0 0 15,-18 17-15,18-52 16,0 34-16,0 19 16,0-19-16,0 19 0,-17-36 15,17 35-15,-18 1 16,0 17-16,-35 17 15,36-17-15,-89 35 16,53-35-16,-123 0 16,70 18-16,-176-18 15,123 0-15,-194 18 16,159-18 0,-159 0-16,195 0 15,-89 17 1,141-17-16,35 18 0,18-18 0,36 35 15,34-17 1</inkml:trace>
   <inkml:trace contextRef="#ctx0" brushRef="#br0" timeOffset="59693.9528">6526 9507 0,'-17'53'16,"17"0"-16,-18 53 15,18-53-15,-18 88 16,18-70-16,-17 17 0,17 0 16,-18 0-16,18-17 0,0 105 15,0-105 1,18 52-16,-1-88 16,72 54-16,-54-54 15,88 35-15,-34-52 16,87 17-1,-70-35-15,0 18 0,17-18 16,142 0-16,-124 0 16,159-18-16,-177 18 15,106-35-15,-123 17 16,35-17 0,-70 18-16,-36-1 0,36 0 15,-54 1-15,19-19 16,-36 1-16,17-18 15,1 18-15,-18-71 16,0 53-16,35-106 16,-17 71-16,35-106 15,-36 106-15,54-53 16,-36 88 0,18-35-16,-35 52 15,0 1-15,-1 18 16,-17-19-16,-17 19 15,-36-1 1,17 18-16,-17-18 16,-105-17-16,52 17 15,0 1-15,-35-1 16,-18 18-16,0 0 0,-140 0 16,157 0-16,-87 18 15,123-18-15,-70 0 16,123 0-16,-53-18 15,71 1-15</inkml:trace>
@@ -218,7 +214,7 @@
   <inkml:trace contextRef="#ctx0" brushRef="#br0" timeOffset="63864.6338">7532 12718 0,'0'0'16,"0"17"-16,-18-17 0,18 18 16,0-36-1,0 1 1,0-19-16,18-17 16,-1 18-16,1 0 15,0 17-15,-1 18 16,1 18-1,0 17-15,-18-17 16,17 35 0,1-36-16,0 36 15,-18-35-15</inkml:trace>
   <inkml:trace contextRef="#ctx0" brushRef="#br0" timeOffset="64592.6689">8008 12594 0,'-18'-17'15,"1"17"-15,-1 17 16,1-17-1,-1 53-15,0-35 16,1 35-16,17-36 16,0 1-16,17 0 0,1-1 15,35 1-15,-18-18 16,36-18 0,-36 1-16,-17-1 15,-1 0-15,1 18 0,-18-17 0,0-1 16,0 0-16,-35 18 15,17 0 1,-17 36 0,17-1-16,18-17 15,18-1-15,17 1 16,-17-18-16,34 0 16,-34-18-16,17 1 15,-17 17-15,-18-18 16,18 18-16,-18-18 15,0 1-15,-18 17 32,18 17-17,0 1 1,18 0-16,-1-18 0,36 17 16,-35-17-1,-1-17-15,1 17 0,17-18 16,-35 0-1,-17 18 1,17-17 0</inkml:trace>
   <inkml:trace contextRef="#ctx0" brushRef="#br0" timeOffset="64765.2262">8449 12559 0,'0'18'0,"18"-18"16,17-18-16,-17 18 16,52-18-16,-52 1 15,35-19 1,-36 36-16,1-17 16</inkml:trace>
-  <inkml:trace contextRef="#ctx0" brushRef="#br0" timeOffset="64943.6973">8502 12241 0,'18'36'15,"-1"34"1,-17 1 0,18-18-16,0 35 15,-18-35-15,17 0 0,18 17 16,-35-34-16,18-19 15,0 1-15,-18-1 0</inkml:trace>
+  <inkml:trace contextRef="#ctx0" brushRef="#br0" timeOffset="64943.6972">8502 12241 0,'18'36'15,"-1"34"1,-17 1 0,18-18-16,0 35 15,-18-35-15,17 0 0,18 17 16,-35-34-16,18-19 15,0 1-15,-18-1 0</inkml:trace>
   <inkml:trace contextRef="#ctx0" brushRef="#br0" timeOffset="65404.9863">8731 12665 0,'18'-18'31,"17"18"-31,-17-18 16,-1 18-16,1-17 16,-18-1-16,18 18 0,-18-17 15,-18 17-15,-17-18 16,35 36-16,-35-1 16,17 1-1,18 35-15,18-36 16,-1 19-16,1-19 15,17 19-15,0-36 16,-17 17-16,0-17 16,-1 0-1,-17-17-15,0-1 16,0 0 0,18 1-16,-18-1 15,18 18 1,-18-18-1,17 18 1,1 18 0,-18 0-1,17-1-15,1-17 16,17 36 0,1-36-16,-19 17 15,1-17-15</inkml:trace>
   <inkml:trace contextRef="#ctx0" brushRef="#br0" timeOffset="65899.6427">9208 12647 0,'0'0'0,"-18"18"16,0-1-16,18 1 16,0 17-16,0-17 15,0 0-15,18-18 0,0 17 16,-1-17-1,1 0-15,-1-17 16,1-1 0,-18 0-16,0 1 15,0-1-15,18 36 32,-18-1-17,17-17 1,1 18-16,0-18 15,-1-18-15,1 18 16,-18-35 0,0 0-16,0 17 0,0-17 15,0-18-15,0 18 16,0-71-16,-18 53 16,18 0-16,0 18 0,0-1 15,0 1-15,-17 17 0,17 36 16,0 0-16,0 52 15,0-17 1,0 18-16,17-18 0,1 53 16,0-54-16,-1 37 15,1-54-15,-18-17 16,17 17-16,-17-18 16</inkml:trace>
   <inkml:trace contextRef="#ctx0" brushRef="#br0" timeOffset="66050.7511">9331 12541 0,'18'-17'0,"-1"17"16,19 0-16,-1 0 16,0 0-16,0 0 15,-17 0-15,0 0 16,-18 17-16</inkml:trace>
@@ -237,11 +233,11 @@
   <inkml:trace contextRef="#ctx0" brushRef="#br0" timeOffset="80426.6778">15081 14781 0,'0'18'16,"0"-36"-16,18 36 0,0-18 31,-1 0-31,-17-18 16,18 18 15,-18 18-31,17-18 16,19 18-1,-36-1-15,53-17 16,-36 0-16,1 0 0,17-35 16,-17 17-16,-1-52 15,1 35 1,17-54-16,-17 36 16,-18 1-16,18-107 15,-18 88-15,-18-88 16,0 107-16,1-1 15,-1 53-15,0 70 16,18 1-16,0 88 16,0-71-16,18 0 15,35 71 1,-35-106-16,35 35 0,-18-53 16,-35-17-16,18-18 15,-18 17-15,-18-34 0,-35-19 16</inkml:trace>
   <inkml:trace contextRef="#ctx0" brushRef="#br0" timeOffset="80526.5851">15328 14605 0,'18'18'0,"-36"-36"0,1 0 16,34 18-1,36-17 1,0 17-16,-18 0 0,54 0 16,-54 0-16,0 17 15</inkml:trace>
   <inkml:trace contextRef="#ctx0" brushRef="#br0" timeOffset="81315.988">17198 14605 0,'-35'18'15,"70"-36"-15,-88 36 0,35-1 16,-17 1-16,35 0 16,-18-1-16,18 36 15,0-18-15,18-17 0,35 17 16,-35-17-16,52-18 16,-52 0-16,35-18 15,-53 1 1,17-19-16,-17 19 15,0-1 1,-17 18-16,17-18 16,17 18-1,1-17 1,0 17-16,-18-18 16,35 1-16,-17-1 0,-1 0 0,1-17 15,35-53 1,-36 35-16,19-71 0,-36 72 15,0-1-15,0 0 16,-18-18-16,0 36 16,1 52-16,-1 19 15,1 123-15,-1-71 16,18 159 0,0-124-16,18 106 15,-1-140-15,18-19 0,-17-17 16,17-18-16,1 1 0,17-1 15,-36-35 1,-17-53-16,0 18 16,-35-71-16,17 53 15,-35-35 1,36 53-16,-1-18 16,18 35-16,0-17 15,0 17-15,35-17 16,-17 17-16,0 0 0,35 1 15</inkml:trace>
-  <inkml:trace contextRef="#ctx0" brushRef="#br0" timeOffset="81799.5472">19420 14041 0,'0'0'16,"18"0"-16,17 0 0,18 0 15,0 0-15,35 17 16,1-17-16,-1-17 0,88-1 16,-105 18-16,35-18 15,-89 18-15,1 0 16,-36 0-16</inkml:trace>
+  <inkml:trace contextRef="#ctx0" brushRef="#br0" timeOffset="81799.5471">19420 14041 0,'0'0'16,"18"0"-16,17 0 0,18 0 15,0 0-15,35 17 16,1-17-16,-1-17 0,88-1 16,-105 18-16,35-18 15,-89 18-15,1 0 16,-36 0-16</inkml:trace>
   <inkml:trace contextRef="#ctx0" brushRef="#br0" timeOffset="82078.9846">19897 14058 0,'17'18'15,"-17"-1"-15,18 54 16,0 0-16,-18-18 0,35 105 15,0-87-15,18 88 16,-18-107-16,1 54 16,-19-53-1,-17 18-15,0-54 16,-17 1-16,-1-18 0,-70 0 16,35-18-16,0 1 15,-18-1-15,1 1 0,-89-19 16,71 36-1,17-17-15,18 17 0,-17 17 16,17 1-16</inkml:trace>
   <inkml:trace contextRef="#ctx0" brushRef="#br0" timeOffset="83335.7564">20796 14129 0,'0'-18'0,"0"36"0,0-54 0,-17 54 31,-1 53-15,0-1-16,1 1 16,17 17-16,-18-17 0,18 87 15,0-87-15,18 52 16,-1-70-16,36 18 15,-35-54-15,35 1 16,-18-18-16</inkml:trace>
   <inkml:trace contextRef="#ctx0" brushRef="#br0" timeOffset="83724.3307">21202 14340 0,'0'0'0,"-18"-17"0,1-1 16,-36 36 0,35 17-16,-35 53 15,36-35-15,-1 71 16,18-71-16,53 35 16,0-35-16,35 0 15,-35-36-15,88-17 16,-88-17-16,0-1 15,-18 0-15,0-17 0,-17 0 16,-18-18-16,0-35 16,-18 52-16,-17-34 0,0 35 15,-71-54 1,35 54-16,19 35 0,-54 18 16,70 17-16,-17 18 15,53 0-15,36 17 16,-1-34-16,89-1 15,-72 0 1,19-35-16,0 18 0,-19-18 16,1 0-16,-17 0 15</inkml:trace>
-  <inkml:trace contextRef="#ctx0" brushRef="#br0" timeOffset="83952.5421">21625 13988 0,'88'105'16,"-176"-210"-16,229 263 0,-105-105 0,52 88 16,-53-70-16,-17 0 15,-1-1-15,1 1 0,-18-1 16,-35 71-16,17-88 15,-70 53 1,35-53-16</inkml:trace>
+  <inkml:trace contextRef="#ctx0" brushRef="#br0" timeOffset="83952.542">21625 13988 0,'88'105'16,"-176"-210"-16,229 263 0,-105-105 0,52 88 16,-53-70-16,-17 0 15,-1-1-15,1 1 0,-18-1 16,-35 71-16,17-88 15,-70 53 1,35-53-16</inkml:trace>
   <inkml:trace contextRef="#ctx0" brushRef="#br0" timeOffset="84630.3389">22348 13970 0,'0'0'16,"0"-18"-16,18 18 15,70 36 1,-35-19-16,0 1 0,18 17 16,-18 0-16,35 18 0,-71-17 15,1-19-15,0 19 16,-18-1-16,-18 0 15,0 0-15,-17-17 0,18 17 0,-19 1 16,19-19-16,-1 19 16,36-19-16,-18 1 15,17-1-15,36 19 16,-18-19 0</inkml:trace>
   <inkml:trace contextRef="#ctx0" brushRef="#br0" timeOffset="84753.5414">22842 14958 0,'53'17'15,"-106"-34"-15,124 34 0,-53 1 16</inkml:trace>
 </inkml:ink>
@@ -283,7 +279,7 @@
   <inkml:trace contextRef="#ctx0" brushRef="#br0" timeOffset="7018.5998">30974 1182 0,'0'0'0,"-18"0"0,1 0 15,-1 17 1,-17 54-16,17-36 15,0 18-15,18 35 16,18-17 0,0-36-16,-1 1 0,36 16 15,-17-52-15,34 0 16,-35 0-16,-17-17 16,53-36-16,-54 35 15,18-70-15,-35 53 16,0-53-16,-17 52 15,-1-17-15,-17 18 16,0 17-16,-36-34 16,36 52-16,-18 0 15,35 0-15,18 17 16,0 18-16,0-17 0,0 17 16,0 1-16,18-19 0,35 54 15,-36-54-15,54 19 16,-53-36-16,52 17 15,-52-17-15,17 18 16,-17-18 0</inkml:trace>
   <inkml:trace contextRef="#ctx0" brushRef="#br0" timeOffset="7197.0713">31468 1535 0,'17'35'0,"1"-17"16,0 17-16,-18-18 15,17 19-15,1-36 16,-18 17-16</inkml:trace>
   <inkml:trace contextRef="#ctx0" brushRef="#br0" timeOffset="7468.7394">31785 1676 0,'18'17'15,"-18"1"-15,-18 17 16,1-17 0,17 0-1,-18-1-15,0-17 16</inkml:trace>
-  <inkml:trace contextRef="#ctx0" brushRef="#br0" timeOffset="8399.5585">32085 1217 0,'-17'35'16,"-1"-17"-16,0 17 0,18 36 15,0-36-15,0 36 16,18-36-16,0-17 16,-1 17-16,1-17 0,-1-1 15,19-17-15,-19 0 0,36-17 16,-17-19-16,16-17 15,-34 18-15,17-36 16,-35 19-16,0-19 16,0 18-1,-70 0-15,52 36 16,-52 17-16,34 17 16,1 36-1,17-35-15,18 52 16,0-34-16,18-19 0,0 18 15,17 18-15,-17-35 16,-1-18-16,-17 18 16,18-1-16</inkml:trace>
+  <inkml:trace contextRef="#ctx0" brushRef="#br0" timeOffset="8399.5584">32085 1217 0,'-17'35'16,"-1"-17"-16,0 17 0,18 36 15,0-36-15,0 36 16,18-36-16,0-17 16,-1 17-16,1-17 0,-1-1 15,19-17-15,-19 0 0,36-17 16,-17-19-16,16-17 15,-34 18-15,17-36 16,-35 19-16,0-19 16,0 18-1,-70 0-15,52 36 16,-52 17-16,34 17 16,1 36-1,17-35-15,18 52 16,0-34-16,18-19 0,0 18 15,17 18-15,-17-35 16,-1-18-16,-17 18 16,18-1-16</inkml:trace>
   <inkml:trace contextRef="#ctx0" brushRef="#br0" timeOffset="8653.9182">32438 1482 0,'35'17'15,"-70"-34"-15,88 34 0,-53 1 0,0 0 16,-18-1 0,18 1-16,-17-18 15,-1 18-15,18-1 0,0 1 0,0-1 16,0 1-1,18-18-15,-1 0 16,1 0 0,-1 0-1</inkml:trace>
   <inkml:trace contextRef="#ctx0" brushRef="#br0" timeOffset="8842.684">32667 1605 0,'-17'18'16,"17"-1"-16,0 1 16,0 0 15</inkml:trace>
   <inkml:trace contextRef="#ctx0" brushRef="#br0" timeOffset="9977.2694">32914 1199 0,'-17'0'16,"-1"18"-16,-17-18 0,-18 35 15,35 1-15,-17 52 16,35-35-16,-18 35 15,36-35-15,17 17 16,-17-52 0,35 17-16,-18-35 15,35 0-15,-34-35 16,17-18-16,-18 18 16,0-36-1,-35 36-15,0-53 16,-35 35-16,-18-18 15,18 36-15,-1 17 16,1 18-16,18 0 0,-19 18 16,19 0-16,-1 17 0,-17 36 15,35-36-15,0 35 16,17-34-16,19 17 16,-19-36-16,36 1 15,-18-18-15,18-18 16</inkml:trace>
@@ -293,7 +289,7 @@
   <inkml:trace contextRef="#ctx0" brushRef="#br0" timeOffset="11222.9004">31327 2364 0,'17'0'16,"1"0"-1,17-18 1,-17 18-16</inkml:trace>
   <inkml:trace contextRef="#ctx0" brushRef="#br0" timeOffset="11350.7209">31503 2346 0,'-18'0'16</inkml:trace>
   <inkml:trace contextRef="#ctx0" brushRef="#br0" timeOffset="12256.3107">31979 1976 0,'18'0'15,"17"0"1,1 17-16,-19-17 16,18 18-16,1 17 0,-1 0 0,0 1 15,-17 17-15,0-18 0,-18 71 16,0-71-16,-18 53 16,18-35-16,-35 0 15,-1-18 1,-17 1-16,18-19 15,-18 1-15,18-1 16</inkml:trace>
-  <inkml:trace contextRef="#ctx0" brushRef="#br0" timeOffset="20448.5135">2081 2910 0,'-53'-70'15,"18"35"-15,0 17 16,-36 0-16,36 18 15,0 36-15,0-1 0,17 18 16,-17 106 0,17-71-16,18 0 0,0 18 15,0-36-15,18 19 16,-1-19-16,19 1 0,-19-18 0,1-1 16,-1 1-16,-17-35 15,0 0 1,-17-36-16,-54-17 15,54-1-15,-19 1 16,1-18-16,35 0 16,35 18-1,36 0 1,35 35-16,-53 0 16,52 0-16</inkml:trace>
+  <inkml:trace contextRef="#ctx0" brushRef="#br0" timeOffset="20448.5134">2081 2910 0,'-53'-70'15,"18"35"-15,0 17 16,-36 0-16,36 18 15,0 36-15,0-1 0,17 18 16,-17 106 0,17-71-16,18 0 0,0 18 15,0-36-15,18 19 16,-1-19-16,19 1 0,-19-18 0,1-1 16,-1 1-16,-17-35 15,0 0 1,-17-36-16,-54-17 15,54-1-15,-19 1 16,1-18-16,35 0 16,35 18-1,36 0 1,35 35-16,-53 0 16,52 0-16</inkml:trace>
   <inkml:trace contextRef="#ctx0" brushRef="#br0" timeOffset="20704.3634">2240 3493 0,'0'0'16,"-17"17"-16,-1 1 0,-17 35 16,35-36-16,17 36 15,1-17-15,0-19 16,17-17-16,0 0 0,0 0 15,36 0-15,-53-17 16,17-1-16,-18-17 16,-17-1-16,18-34 15,-36 52-15,-17-52 16,0 52-16,-18-17 16,18 17-16,-18 36 15</inkml:trace>
   <inkml:trace contextRef="#ctx0" brushRef="#br0" timeOffset="20954.954">2663 3722 0,'0'17'0,"-17"-34"0,17-18 16,0-1-1,0-34-15,0 34 16,0-34 0,17 52-16,1 18 15,17 18-15,1 17 16,17-17 0,-36-1-16,19-17 15,-19 0-15</inkml:trace>
   <inkml:trace contextRef="#ctx0" brushRef="#br0" timeOffset="22689.332">4198 3563 0,'0'18'0,"18"-18"15,-1 17-15,19-34 16,-19 17-16,1-18 15,35-35-15,-36 18 16,1 0-16,-18-18 16,-35 0-1,17 35-15,1 18 0,-107-18 16,54 71 0,-1 18-1,53 0-15,18-1 16,36-35-16,52 18 15,-35-53-15,0 18 16,0-18-16,17 0 16,-17-18-16,53 18 15,-71-17-15,18 17 16,-18-18-16,1 18 16</inkml:trace>
@@ -324,42 +320,42 @@
   <inkml:trace contextRef="#ctx0" brushRef="#br0" timeOffset="36003.3756">12577 4516 0,'17'17'16,"-17"1"-16,18 35 15,-18-36-15,0 19 16,0-19-16,0 1 15,17-18 1</inkml:trace>
   <inkml:trace contextRef="#ctx0" brushRef="#br0" timeOffset="36247.4064">13000 4551 0,'0'35'16,"0"-17"-16,-18-1 15,1 19-15,-1-19 16,0 1-16,1-18 15,-1 18-15,0-18 0,1 17 0</inkml:trace>
   <inkml:trace contextRef="#ctx0" brushRef="#br0" timeOffset="37632.8069">13529 4039 0,'0'-17'16,"0"-1"-16,0 0 16,0 1-16,-18 17 0,1 0 15,-1 0 1,0 0-16,-17 17 0,18 1 16,-36 35-1,35 0-15,-17-18 0,17 18 16,18 35-16,0-35 15,35 18-15,1-36 16,52 18-16,-35-35 16,70-18-1,-70-18-15,53-35 16,-53 35-16,0-52 16,-36 35-16,-17-1 0,-17-34 15,-1 34-15,-52-34 16,34 52-16,-69-17 15,34 17-15,-17 18 16,35 18 0,0 17-16,35-17 15,18 35-15,0-36 16,36 54-16,-1-53 16,0-1-16,36 1 15,-36 0-15,53-18 16,-70 0-16,17 0 15,0 0-15,1 0 16</inkml:trace>
-  <inkml:trace contextRef="#ctx0" brushRef="#br0" timeOffset="37966.6629">14023 4357 0,'0'0'16,"35"17"-16,-17-17 0,-1 0 0,19 18 15,-19 0-15,1-18 16,-18 17-16,0 1 16,-18 17-16,18-17 15,-17 0-15,-1-1 16,18 1-16,18-18 47,-1 0-32,1 17-15,0-17 16,-1 0-16</inkml:trace>
+  <inkml:trace contextRef="#ctx0" brushRef="#br0" timeOffset="37966.6628">14023 4357 0,'0'0'16,"35"17"-16,-17-17 0,-1 0 0,19 18 15,-19 0-15,1-18 16,-18 17-16,0 1 16,-18 17-16,18-17 15,-17 0-15,-1-1 16,18 1-16,18-18 47,-1 0-32,1 17-15,0-17 16,-1 0-16</inkml:trace>
   <inkml:trace contextRef="#ctx0" brushRef="#br0" timeOffset="38199.4803">14464 4498 0,'0'18'16,"0"-36"-16,0 53 15,18-17 1</inkml:trace>
-  <inkml:trace contextRef="#ctx0" brushRef="#br0" timeOffset="38350.6915">14658 4463 0,'0'0'16,"18"0"-16,-1 0 0,1 0 15,-1 0 1</inkml:trace>
+  <inkml:trace contextRef="#ctx0" brushRef="#br0" timeOffset="38350.6914">14658 4463 0,'0'0'16,"18"0"-16,-1 0 0,1 0 15,-1 0 1</inkml:trace>
   <inkml:trace contextRef="#ctx0" brushRef="#br0" timeOffset="38483.8526">14887 4445 0,'0'0'0,"0"-18"0,18 18 15,0 0-15,-1 0 16</inkml:trace>
   <inkml:trace contextRef="#ctx0" brushRef="#br0" timeOffset="38616.3026">15064 4427 0,'0'0'0,"17"0"16</inkml:trace>
-  <inkml:trace contextRef="#ctx0" brushRef="#br0" timeOffset="38863.622">15381 4498 0,'0'0'16,"0"18"-16,18-1 0,-18 1 16,-18-1-16,0 1 15,-17 17-15,18-17 16,-36 17-16,17 1 15</inkml:trace>
+  <inkml:trace contextRef="#ctx0" brushRef="#br0" timeOffset="38863.6219">15381 4498 0,'0'0'16,"0"18"-16,18-1 0,-18 1 16,-18-1-16,0 1 15,-17 17-15,18-17 16,-36 17-16,17 1 15</inkml:trace>
   <inkml:trace contextRef="#ctx0" brushRef="#br0" timeOffset="39708.0692">16263 3933 0,'0'0'15,"0"-35"-15,0 18 0,-18 17 0,1-18 16,-18 18-16,-1 0 16,-17 35-16,18-17 15,0 17-15,17 18 16,0 0-16,1 53 0,17-53 16,35 53-16,-17-71 15,52 18 1,-34-36-16,17 1 0,52-36 15,-69 1-15,52-36 16,-71 35-16,19-70 16,-19 53-16,-34-53 15,-1 52-15,-35-52 16,0 53 0,-35-1-16,35 19 15,-53 17-15,71 17 16,0 36-16,17-35 15,18 53-15,18-36 16,52 35 0,-34-52-16,-1 17 15,18-17-15,-18-18 0,71 18 16,-71-18-16,18 0 16,-35 17-16,17-17 15</inkml:trace>
-  <inkml:trace contextRef="#ctx0" brushRef="#br0" timeOffset="39929.6033">16704 4357 0,'0'0'0,"0"17"15,0 19-15,0-19 0,18 1 16,-1 17-16,-17-17 16,18 0-16,-18-1 15,18-17-15</inkml:trace>
+  <inkml:trace contextRef="#ctx0" brushRef="#br0" timeOffset="39929.6032">16704 4357 0,'0'0'0,"0"17"15,0 19-15,0-19 0,18 1 16,-1 17-16,-17-17 16,18 0-16,-18-1 15,18-17-15</inkml:trace>
   <inkml:trace contextRef="#ctx0" brushRef="#br0" timeOffset="40074.4747">16792 4057 0,'0'0'16,"18"0"-16,0 0 16,-18 18-1</inkml:trace>
   <inkml:trace contextRef="#ctx0" brushRef="#br0" timeOffset="43054.6495">17216 4233 0,'17'0'47,"18"0"-31,-17 0-16,0 0 15,35 0 1,-18 0-16,0 0 0,18-17 16,-18-1-1</inkml:trace>
   <inkml:trace contextRef="#ctx0" brushRef="#br0" timeOffset="43266.7826">17357 4022 0,'0'0'0,"0"17"16,0 1-16,0 17 0,0 1 16,17-1-16,1 0 0,0 53 15,-1-52-15,1 34 16,0-35-16,-18-17 15,0 35 1,17-53 0</inkml:trace>
   <inkml:trace contextRef="#ctx0" brushRef="#br0" timeOffset="43716.5058">18009 4145 0,'0'0'0,"0"-17"16,-17 17-1,-19 17 1,19-17-16,-19 18 15,19-1-15,-1 1 16,1 0-16,-1 17 16,18-17-16,35 17 15,-17-17-15,17-18 16,18 17-16,-18-17 0,1 0 0,-19 0 16,19 0-1,-36 18-15,-18-18 16,0 17-16,-17 19 0,-53 17 15,52-18-15,-16 18 16,52-36 0,-18 1-16,36 0 0,17-1 15,0 1-15,0-18 16,36 0-16,-36 0 16,18 0-16,-70 0 15</inkml:trace>
-  <inkml:trace contextRef="#ctx0" brushRef="#br0" timeOffset="44963.7205">18733 4427 0,'0'18'16,"0"0"-16,0 17 16,0-17-16,0 34 15,-18-34-15,0 17 16,1-17-16,-36 35 16,35-35-16,-35 17 15,35-35-15</inkml:trace>
+  <inkml:trace contextRef="#ctx0" brushRef="#br0" timeOffset="44963.7204">18733 4427 0,'0'18'16,"0"0"-16,0 17 16,0-17-16,0 34 15,-18-34-15,0 17 16,1-17-16,-36 35 16,35-35-16,-35 17 15,35-35-15</inkml:trace>
   <inkml:trace contextRef="#ctx0" brushRef="#br0" timeOffset="45135.3582">19015 4498 0,'17'0'0,"-34"0"0,52 0 31,-17 0-15,-1-18-16</inkml:trace>
   <inkml:trace contextRef="#ctx0" brushRef="#br0" timeOffset="45268.5826">19332 4427 0,'18'0'31,"0"0"-15</inkml:trace>
-  <inkml:trace contextRef="#ctx0" brushRef="#br0" timeOffset="45418.6377">19544 4427 0,'0'0'15,"18"0"1,-1 0-16,1 0 16,-1 0-16,1-17 15</inkml:trace>
+  <inkml:trace contextRef="#ctx0" brushRef="#br0" timeOffset="45418.6376">19544 4427 0,'0'0'15,"18"0"1,-1 0-16,1 0 16,-1 0-16,1-17 15</inkml:trace>
   <inkml:trace contextRef="#ctx0" brushRef="#br0" timeOffset="45540.4906">19703 4392 0,'17'0'32</inkml:trace>
-  <inkml:trace contextRef="#ctx0" brushRef="#br0" timeOffset="45819.625">19897 3634 0,'17'0'15,"1"35"-15,0 0 0,52 71 16,-35-35-16,1-19 15,34 90-15,-52-72 16,17 54-16,-17-54 16,-36 36-1,1-53-15,-1 0 0,0-18 16,-52 53-16,17-52 16,18-19-16</inkml:trace>
+  <inkml:trace contextRef="#ctx0" brushRef="#br0" timeOffset="45819.6249">19897 3634 0,'17'0'15,"1"35"-15,0 0 0,52 71 16,-35-35-16,1-19 15,34 90-15,-52-72 16,17 54-16,-17-54 16,-36 36-1,1-53-15,-1 0 0,0-18 16,-52 53-16,17-52 16,18-19-16</inkml:trace>
   <inkml:trace contextRef="#ctx0" brushRef="#br0" timeOffset="46770.1175">16845 3034 0,'0'35'31,"-17"18"-15,17-18-16,0 36 16,0-18-16,17 0 15,1-18-15,-18 0 16,0-17-16,17-18 0,1 35 15,-18-17 1,-18-18 0</inkml:trace>
   <inkml:trace contextRef="#ctx0" brushRef="#br0" timeOffset="47037.659">16598 3351 0,'35'53'16,"-17"-35"-16,0 0 16,17 35-16,-17-36 15,17 1-15,0 17 16,1-17 0,-19-18-1,18-18-15,1 0 16,17-17-1,-18-18 1,18 0 0,0-17-1,-53 52-15</inkml:trace>
-  <inkml:trace contextRef="#ctx0" brushRef="#br0" timeOffset="49755.7212">20902 4286 0,'-18'0'16,"36"0"15,17 18-31,-17-18 16,70 18 0,-35-1-16,35-17 0,-52 0 15,-1 0 1,-53-17-1,-35-1 1</inkml:trace>
+  <inkml:trace contextRef="#ctx0" brushRef="#br0" timeOffset="49755.7211">20902 4286 0,'-18'0'16,"36"0"15,17 18-31,-17-18 16,70 18 0,-35-1-16,35-17 0,-52 0 15,-1 0 1,-53-17-1,-35-1 1</inkml:trace>
   <inkml:trace contextRef="#ctx0" brushRef="#br0" timeOffset="50684.5686">21925 3863 0,'0'0'15,"-35"0"-15,53 0 32,34 0-32,-16 0 15,87 0-15,-70 0 16,53 0-16,-53 0 16,0-18-16,-36 18 15,-34 0 1,-36 0-1,18 0-15,-18 18 16,17-18-16,19 35 16,17-17-16,17 52 15,1-34-15,35 52 16,-18-53-16,18 36 16,-18-36-16,-17 0 15,-18-17-15,18 0 0,-18 17 16,-18-18-16,-35-17 15,18 18-15,-53-18 16,52 0 0,-34 0-16,52 0 15,1 0-15,34 0 16</inkml:trace>
   <inkml:trace contextRef="#ctx0" brushRef="#br0" timeOffset="50946.3052">22983 3828 0,'-35'35'16,"70"-70"-16,-105 88 0,35 52 15,17-52-15,0 18 16,1 52-16,17-52 16,17-18-16,19 53 15,-1-53-15,-17-18 0,17-18 16,-18 19-16,1-36 0,0 17 16</inkml:trace>
-  <inkml:trace contextRef="#ctx0" brushRef="#br0" timeOffset="51668.6912">23530 3986 0,'-35'-17'16,"70"34"-16,-88-34 0,0 52 16,18-17-16,-18 70 15,36-35-15,17 0 0,0 70 16,17-70-16,54 18 16,-36-36-1,18-17-15,53-18 16,-36 0-16,-17-18 15,0 0-15,-17-17 0,-1-36 16,-18 36-16,-34-53 16,-18 53-16,-54-53 15,36 70-15,-52-35 16,52 35-16,-18 36 16,36 0-16,17-1 15,18 54 1,18-54-16,-1 19 0,1-1 15,70 36-15,-52-54 16,52 18-16,-35-17 16,17 0-16,-52-18 15,35 0-15</inkml:trace>
-  <inkml:trace contextRef="#ctx0" brushRef="#br0" timeOffset="51841.7693">24130 4410 0,'18'53'16,"-36"-106"-16,53 123 0,-35-34 15,0-19-15,0 36 16,0-35 0,0 17-16,0-17 15</inkml:trace>
+  <inkml:trace contextRef="#ctx0" brushRef="#br0" timeOffset="51668.6911">23530 3986 0,'-35'-17'16,"70"34"-16,-88-34 0,0 52 16,18-17-16,-18 70 15,36-35-15,17 0 0,0 70 16,17-70-16,54 18 16,-36-36-1,18-17-15,53-18 16,-36 0-16,-17-18 15,0 0-15,-17-17 0,-1-36 16,-18 36-16,-34-53 16,-18 53-16,-54-53 15,36 70-15,-52-35 16,52 35-16,-18 36 16,36 0-16,17-1 15,18 54 1,18-54-16,-1 19 0,1-1 15,70 36-15,-52-54 16,52 18-16,-35-17 16,17 0-16,-52-18 15,35 0-15</inkml:trace>
+  <inkml:trace contextRef="#ctx0" brushRef="#br0" timeOffset="51841.7692">24130 4410 0,'18'53'16,"-36"-106"-16,53 123 0,-35-34 15,0-19-15,0 36 16,0-35 0,0 17-16,0-17 15</inkml:trace>
   <inkml:trace contextRef="#ctx0" brushRef="#br0" timeOffset="52125.9672">24571 4463 0,'0'17'16,"-35"19"-16,17-1 15,-17 0 1,35-17-16,-18-1 15,1 1-15</inkml:trace>
   <inkml:trace contextRef="#ctx0" brushRef="#br0" timeOffset="52681.8073">24977 4022 0,'0'0'0,"-18"0"15,0 0 1,1 17-16,-19 36 16,19 0-16,-1 53 15,18-53-15,0 0 0,18 35 16,-1-70 0,19 35-16,-1-53 15,-17 17-15,17-17 16,0-17-16,1-1 0,34-35 15,-35 18-15,18-36 16,-35 36-16,0-53 16,-18 35-16,-36 18 15,19-18-15,-19 17 0,1 1 16,-53 17-16,53 18 16,-1 18-16,19 0 0,-1 17 15,0 18-15,18-18 16,36 53-1,-19-70-15,36 35 16,-17-35-16,-19-1 0,18-17 16,-17 18-16,0-18 0,17 0 15,-17 0 1</inkml:trace>
-  <inkml:trace contextRef="#ctx0" brushRef="#br0" timeOffset="52998.2677">25435 4392 0,'0'0'0,"18"0"0,17 18 15,0-18 1,-17 0-16,0 17 15,-1-17-15,-17 18 16,-35 17-16,35-17 16,-35 17-16,17 0 15,1 1-15,17-19 16,0 1 0,17-18-16,1 0 15,17-18-15,0 18 16,1-17-16,-19 17 15,1 0 1</inkml:trace>
+  <inkml:trace contextRef="#ctx0" brushRef="#br0" timeOffset="52998.2676">25435 4392 0,'0'0'0,"18"0"0,17 18 15,0-18 1,-17 0-16,0 17 15,-1-17-15,-17 18 16,-35 17-16,35-17 16,-35 17-16,17 0 15,1 1-15,17-19 16,0 1 0,17-18-16,1 0 15,17-18-15,0 18 16,1-17-16,-19 17 15,1 0 1</inkml:trace>
   <inkml:trace contextRef="#ctx0" brushRef="#br0" timeOffset="53210.6025">25876 4551 0,'-17'35'15,"34"-70"-15,-70 88 0,18-18 0,17-35 16,1 35 0,17-17-16</inkml:trace>
-  <inkml:trace contextRef="#ctx0" brushRef="#br0" timeOffset="53379.993">26176 4533 0,'18'0'47</inkml:trace>
+  <inkml:trace contextRef="#ctx0" brushRef="#br0" timeOffset="53379.9929">26176 4533 0,'18'0'47</inkml:trace>
   <inkml:trace contextRef="#ctx0" brushRef="#br0" timeOffset="53532.6461">26476 4480 0,'18'0'15,"-1"0"1,1 0 0,0 0-1</inkml:trace>
   <inkml:trace contextRef="#ctx0" brushRef="#br0" timeOffset="53670.2145">26635 4480 0,'17'0'0,"1"0"32</inkml:trace>
   <inkml:trace contextRef="#ctx0" brushRef="#br0" timeOffset="53900.0896">26988 4463 0,'17'35'16,"-17"-17"-1,0 17-15,0-18 16,0 19-16,-17-19 15,-36 19-15,35-19 16,0-17-16,1 18 0,-54 0 16</inkml:trace>
   <inkml:trace contextRef="#ctx0" brushRef="#br0" timeOffset="54750.739">27799 3898 0,'18'-35'15,"-36"70"-15,18-70 0,-18 17 16,-17 18-16,17 0 16,-17 0-16,-53 53 15,53-18-15,-36 54 16,36-36-16,17 52 0,0-52 15,36 53 1,17-71-16,18 1 0,0-1 16,71 0-1,-54-35-15,1 0 0,-18-17 0,0-1 16,35-35 0,-71-17-16,1 17 15,-18 17-15,-18-17 0,1 1 16,-54-54-16,36 70 15,-71-17-15,71 36 16,0-1-16,-1 36 16,1-18-16,17 35 0,18-17 0,0 52 15,0-34 1,53 17-16,-17-18 16,34 0-16,-35-17 15,18-18-15,0 17 16,-17-17-16,-1 0 15,-18 0-15,1 0 16</inkml:trace>
   <inkml:trace contextRef="#ctx0" brushRef="#br0" timeOffset="54972.4414">28275 4445 0,'0'18'16,"18"-1"-1,-18 19-15,0-19 16,17 36-16,-17-35 16,18-1-1,0-17-15</inkml:trace>
-  <inkml:trace contextRef="#ctx0" brushRef="#br0" timeOffset="55345.7253">28346 4251 0,'0'-18'15,"0"1"1,17 17 15,-17-18-15</inkml:trace>
+  <inkml:trace contextRef="#ctx0" brushRef="#br0" timeOffset="55345.7252">28346 4251 0,'0'-18'15,"0"1"1,17 17 15,-17-18-15</inkml:trace>
   <inkml:trace contextRef="#ctx0" brushRef="#br0" timeOffset="55923.0005">28663 4216 0,'0'0'15,"18"0"-15,-18-18 16,17 18-16,19 0 15,-1-18 1,0 18-16,-17 0 16,53 0-16,-54 0 15</inkml:trace>
   <inkml:trace contextRef="#ctx0" brushRef="#br0" timeOffset="57047.6701">29545 4004 0,'35'-18'16,"-17"18"-1,-36 0 1,1 0-16,-1 18 16,-35 0-1,18-1-15,0 19 16,-1-1-16,19-35 16,17 18-16,-18-1 0,18 1 15,18-1-15,-1 1 16,1 0-16,0-1 0,17-17 15,0 18 1,-17 0-16,0-18 16,-36 0-16,-17 17 15,-18 19 1,17-1-16,-17 0 16,36 0-16,17 1 15,17-19-15,19 1 16,-1 0-16,18-18 0,53 0 15,-71 0-15,36-18 16,-36 0-16,-17 1 16,-54 17-1,19 0-15,-19 0 16</inkml:trace>
   <inkml:trace contextRef="#ctx0" brushRef="#br0" timeOffset="57709.303">28434 3034 0,'0'18'31,"0"17"-16,0 18 1,0 0-16,0 0 0,0 52 16,0-52-16,0 53 15,0-71-15,18 36 16,-18-36-16,0-17 16,-18-18-1,0-18-15</inkml:trace>
@@ -373,17 +369,17 @@
   <inkml:trace contextRef="#ctx0" brushRef="#br0" timeOffset="63459.8517">10248 5221 0,'18'0'31,"-1"0"-15,36 0-16,-35 0 16,53 0-1,-18-18-15,-18 18 0,88-17 16,-70 17-16,88-18 15,-70 1-15,105-1 16,-88 18-16,1-18 16,16 18-16,-16-17 0,105-1 15,-88 18-15,88 0 16,-89 0-16,-16 0 16,16 0-16,1 0 0,88 18 15,-106-18 1,106 17-16,-88-17 15,88 0 1,-88 18-16,106-18 16,-106 0-16,105 0 15,-87 0-15,-18 0 16,-1 0-16,107 0 0,-106 0 16,0 0-16,123 0 15,-123 0-15,123 18 16,-123-18-16,18 0 15,105 0-15,-123-18 16,17 18-16,89 0 16,-89 0-16,-17 0 0,0 0 15,0 0-15,0 0 0,123-18 16,-106 18-16,107-17 16,-107 17-1,124-18-15,-123 18 16,105-18-16,-106 18 15,89 0-15,-106 0 16,106 0 0,-107 0-16,125 0 15,-124 0-15,123 0 16,-106 0-16,107 0 16,-125 0-16,19 0 15,-18 0-15,141 0 0,-124 0 16,106 0-1,-87 0-15,-37 0 0,19 0 16,123 0-16,-124 0 16,124 0-16,-123 0 15,105 0-15,-105 0 16,-19 0-16,1 0 0,123 0 16,-123 0-1,106 0-15,-124 18 16,124-18-16,-106 0 15,105 18-15,-105-18 16,106 0 0,-106 0-16,0 0 0,-1 0 15,1 0-15,106 0 16,-106 0-16,105 0 16,-87 0-16,87 0 15,-105 0-15,106 0 16,-89 0-16,89 0 15,-88 0-15,-19 0 16,19 0-16,-18 0 0,123 0 16,-105 0-16,87 0 15,-87 0-15,-19 0 16,19 0-16,-18 0 0,141 0 16,-124 17-1,142-17-15,-124 0 16,0 0-16,-18 0 0,19 0 15,157 0 1,-157 0-16,16 0 0,142 0 16,-141 0-16,194 0 15,-177 18-15,177-18 16,-159 0 0,0 18-16,0-18 0,-18 17 15,18-17-15,-17 18 0,176-1 16,-177 1-16,141 0 15,-158-18-15,123 17 16,-123-17-16,141 18 16,-159-18-16,-17 0 15,123 0 1,-142 0-16,19-18 16,-107 18-16,-34 0 15,-54 18-15</inkml:trace>
   <inkml:trace contextRef="#ctx0" brushRef="#br0" timeOffset="64337.6506">19562 5521 0,'0'0'15,"0"-18"-15,35 18 16,18 0-16,70 36 16,-52-19-16,70 19 15,-71-19 1,-17 1-16,-17-1 16,-19 19-16,-17-19 0,-17 1 15,-54 53-15,36-36 16,-71 35-16,71-52 15,-1 35 1,36-18-16,53 1 16,-17-19-16,87 18 15,-52-35-15,52 18 16,-52-18-16,17 0 16,-71 18-16,19-18 15,-54 0-15</inkml:trace>
   <inkml:trace contextRef="#ctx0" brushRef="#br0" timeOffset="65076.7432">21237 5680 0,'0'0'16,"18"-18"-16,-18 0 16,-35 18-1,17 0-15,-35 18 16,18 0-16,-1-1 0,19 1 15,-1 0-15,18 17 16,0-17-16,18-1 16,-1 1-16,19-1 0,-19 1 0,36-18 15,-17 18-15,52-18 16,-71 0-16,1 0 16,-36 0-1,-70 35 1,35 0-16,-35 36 15,53-36-15,0 36 16,52-54-16,54 36 16,-1-35-16,19 0 15,87-18 1,-88-18-16,53 0 0,-106 1 16,1-1-16</inkml:trace>
-  <inkml:trace contextRef="#ctx0" brushRef="#br0" timeOffset="72863.0461">9066 7902 0,'18'0'47,"-18"-17"-47,0-1 0,18 0 15,-1-35 1,1 18-16,17-35 16,-17 34-16,35-17 15,-53 18-15,17 35 16,1-18-16,-18 36 0,0 17 16,18-17-16,-18 53 15,0-36 1,17 35-16,1-52 15,0 35-15,-1-35 16,19-18-16,-19 0 16,36-36-1,-35 19-15,-1-19 0,-17 19 16,18-19-16,0-16 16,-18 34-16,0 0 15,-18 36 1,0 17-1</inkml:trace>
+  <inkml:trace contextRef="#ctx0" brushRef="#br0" timeOffset="72863.046">9066 7902 0,'18'0'47,"-18"-17"-47,0-1 0,18 0 15,-1-35 1,1 18-16,17-35 16,-17 34-16,35-17 15,-53 18-15,17 35 16,1-18-16,-18 36 0,0 17 16,18-17-16,-18 53 15,0-36 1,17 35-16,1-52 15,0 35-15,-1-35 16,19-18-16,-19 0 16,36-36-1,-35 19-15,-1-19 0,-17 19 16,18-19-16,0-16 16,-18 34-16,0 0 15,-18 36 1,0 17-1</inkml:trace>
   <inkml:trace contextRef="#ctx0" brushRef="#br0" timeOffset="73207.1758">9031 8308 0,'0'0'0,"18"0"16,-18-18-16,17 1 0,19-36 16,-19 17-16,19 1 15,-19 18-15,1-1 16,17 0-16,-17 18 16,-18 18-1,0 0-15,17 17 0,-17 0 16,36 18-16,-19-18 15,19 1 1,-19-36-16,36 0 16,-18-18-16,18-17 15,-35-1-15,35-52 16,-53 71-16,35-54 16,-35 53-16</inkml:trace>
   <inkml:trace contextRef="#ctx0" brushRef="#br0" timeOffset="74875.8845">10883 7779 0,'0'0'0,"0"-36"0,-17 1 15,-1 18-15,-17-19 16,-18 36-16,35 18 16,-52 52-16,52-17 15,-35 53-15,35-53 16,1 53-1,17-71-15,17 1 16,1-19-16,53 1 16,-54-36-16,54-17 15,-36 17-15,0-17 16,-17-18-16,0 18 0,17-53 16,-35 17-16,0-52 15,0 70-15,-53-88 16,35 70-16,-52-35 15,52 71-15,0 0 16,18 52-16,-17 54 16,17-18-1,35 105-15,-17-87 16,35 70 0,0-17-16,-18-71 0,0-18 15,36 35-15,-36-52 16,18 17-1,-35-35-15,17 0 16</inkml:trace>
-  <inkml:trace contextRef="#ctx0" brushRef="#br0" timeOffset="75693.7327">11483 7479 0,'0'0'0,"0"-18"0,0 1 15,0-19-15,0 19 16,0-1-16,0 0 0,0 1 16,-18 17-1,1 0-15,-1 0 0,-17 53 16,-1-36-1,1 72-15,0-54 16,17 18-16,18 70 16,0-70-16,36 53 15,-19-53-15,18-18 16,1 0-16,17-17 0,52 17 16,-69-35-16,70-17 15,-71-1-15,53-35 16,-70 18-16,17-53 15,-17 52-15,-18-17 16,-18 1-16,0-1 16,-35-53-16,1 53 15,-54-18-15,53 54 16,-71-1-16,71 36 16,-17 35-1,35-18-15,35 53 16,17-35-16,18 18 15,1-54-15,-1 18 16,18-17-16,-18 0 0,71-18 16,-71 0-16,36 0 15,-53 0-15,17-18 16,-18 18 0</inkml:trace>
-  <inkml:trace contextRef="#ctx0" brushRef="#br0" timeOffset="75998.7038">12136 7355 0,'17'-17'16,"18"17"-16,18-18 16,-17 18-16,34-17 15,-52 17-15,17 0 16,-17 0-16,-18-18 15</inkml:trace>
+  <inkml:trace contextRef="#ctx0" brushRef="#br0" timeOffset="75693.7326">11483 7479 0,'0'0'0,"0"-18"0,0 1 15,0-19-15,0 19 16,0-1-16,0 0 0,0 1 16,-18 17-1,1 0-15,-1 0 0,-17 53 16,-1-36-1,1 72-15,0-54 16,17 18-16,18 70 16,0-70-16,36 53 15,-19-53-15,18-18 16,1 0-16,17-17 0,52 17 16,-69-35-16,70-17 15,-71-1-15,53-35 16,-70 18-16,17-53 15,-17 52-15,-18-17 16,-18 1-16,0-1 16,-35-53-16,1 53 15,-54-18-15,53 54 16,-71-1-16,71 36 16,-17 35-1,35-18-15,35 53 16,17-35-16,18 18 15,1-54-15,-1 18 16,18-17-16,-18 0 0,71-18 16,-71 0-16,36 0 15,-53 0-15,17-18 16,-18 18 0</inkml:trace>
+  <inkml:trace contextRef="#ctx0" brushRef="#br0" timeOffset="75998.7037">12136 7355 0,'17'-17'16,"18"17"-16,18-18 16,-17 18-16,34-17 15,-52 17-15,17 0 16,-17 0-16,-18-18 15</inkml:trace>
   <inkml:trace contextRef="#ctx0" brushRef="#br0" timeOffset="76244.5407">12224 7320 0,'0'0'15,"17"35"-15,-17 1 0,0-1 16,0 18-16,-17 53 16,17-53-16,0 52 15,17-69-15,-17-1 0,36 36 16,-19-54-16,36 1 16,-17-18-16,34 0 15,-52 0-15,35-35 16,-36 35-16,-17-18 15</inkml:trace>
-  <inkml:trace contextRef="#ctx0" brushRef="#br0" timeOffset="76443.416">12718 7691 0,'17'35'16,"-34"-70"-16,34 105 0,1-17 15,0-35-15,-18-1 0,0 1 16,0 0-16,17-18 16</inkml:trace>
+  <inkml:trace contextRef="#ctx0" brushRef="#br0" timeOffset="76443.4159">12718 7691 0,'17'35'16,"-34"-70"-16,34 105 0,1-17 15,0-35-15,-18-1 0,0 1 16,0 0-16,17-18 16</inkml:trace>
   <inkml:trace contextRef="#ctx0" brushRef="#br0" timeOffset="76619.6755">12753 7373 0,'18'0'31,"-1"0"-31,1 0 15</inkml:trace>
   <inkml:trace contextRef="#ctx0" brushRef="#br0" timeOffset="76973.479">12947 7197 0,'0'0'0,"18"0"16,17 0-1,0 0-15,-17 0 0,17 0 16,0 0-16,-17 0 16,0 17-16,-1 1 15,1-18-15,0 53 16,-18-35-16,17 70 16,1-53-16,-18 18 15,17 70-15,-17-70 16,18 71-16,-18-71 15,18 17-15,-18-34 16,0-19-16,0 1 16,0-1-16,-18-17 31,-17-17-31,17-1 16,1 1-16,-1 17 15,0-18-15</inkml:trace>
   <inkml:trace contextRef="#ctx0" brushRef="#br0" timeOffset="77111.1095">13741 7955 0,'-18'0'15</inkml:trace>
-  <inkml:trace contextRef="#ctx0" brushRef="#br0" timeOffset="80827.4425">13811 7673 0,'18'0'31,"17"0"-15,-17 0-16,35 0 16,-18 0-16,0 0 15,-17 0-15,35 0 0,-36 0 16,-34 0 0,-18 18-16</inkml:trace>
+  <inkml:trace contextRef="#ctx0" brushRef="#br0" timeOffset="80827.4424">13811 7673 0,'18'0'31,"17"0"-15,-17 0-16,35 0 16,-18 0-16,0 0 15,-17 0-15,35 0 0,-36 0 16,-34 0 0,-18 18-16</inkml:trace>
   <inkml:trace contextRef="#ctx0" brushRef="#br0" timeOffset="80959.6524">13794 7796 0,'17'18'0,"1"-18"16,17 0-16,0-18 16,18 18-16,-17 0 15,-19 0-15</inkml:trace>
   <inkml:trace contextRef="#ctx0" brushRef="#br0" timeOffset="81638.524">14834 7020 0,'0'0'16,"-35"-53"-16,17 36 0,18-1 15,18 18 1,17 0-16,1 18 16,69 17-16,-52-17 15,53 70-15,-53-53 16,18 71-1,-54-53-15,1 0 0,0 0 16,-18 0-16,-36 17 16,1-52-16,-36 17 15,36-35-15,-35-18 16,34 1-16,1-18 16,35 17-16,0 0 15,18 1-15,52 34 16,-34-17-16,34 36 15,-17-19-15,0 18 16,-18-35-16</inkml:trace>
   <inkml:trace contextRef="#ctx0" brushRef="#br0" timeOffset="82155.9853">15575 7056 0,'0'-18'16,"18"18"-1,35 0-15,-18 0 16,53 0-16,-35 0 15,-18 0-15,36 0 16,-36-18-16,-17 18 0</inkml:trace>
@@ -391,14 +387,14 @@
   <inkml:trace contextRef="#ctx0" brushRef="#br0" timeOffset="83362.5013">14799 7938 0,'18'0'15,"52"-18"1,-17 18-16,106 0 16,-71 0-16,124-18 15,-106 18 1,158-35-16,-140 17 16,-1-17-16,106 0 15,-158 17-15,-18 0 0,-18 18 16,-52 0-1</inkml:trace>
   <inkml:trace contextRef="#ctx0" brushRef="#br0" timeOffset="83996.5769">15011 8255 0,'0'-18'15,"0"36"-15,17-36 0,1 18 16,53 0 0,-36 18-16,18 17 0,0-17 15,17 17-15,18 36 16,-52-36-16,-19 18 0,1 18 16,-18-36-16,-53 18 15,18-36-15,-53 19 16,52-36-16,-17 0 15,18 0-15,0 0 16,-18-18-16,53 0 16,-18-35-16,36 36 15,17 17-15,0-18 16,1 18-16,-1 0 0,0 0 0,1 18 16,16-1-16,-16-17 15,-19 18-15,36 17 16,-35-35-16,-18 36 15,0-19-15</inkml:trace>
   <inkml:trace contextRef="#ctx0" brushRef="#br0" timeOffset="85259.5694">15857 8237 0,'0'-17'16,"0"-1"-1,-17 18-15,-1 0 16,0 18 0,1 17-1,-18 36-15,17-36 16,0 53-16,18-35 15,18 0-15,0-18 0,-1 0 16,54 18-16,-36-35 16,0-18-16,18 0 15,0 0-15,-18-35 0,54-18 16,-54 18-16,0-54 16,-35 54-16,0-53 15,-17 53 1,-54-18-16,36 17 15,-54 1-15,37 35 16,-19 0-16,36 18 16,-18 17-16,35 0 15,1 18-15,34-35 16,36 35-16,-18-36 16,71 19-1,-71-19-15,71-17 16,-70 0-16,17-17 15,-36 17-15,-17-18 16</inkml:trace>
-  <inkml:trace contextRef="#ctx0" brushRef="#br0" timeOffset="85569.7432">16404 8555 0,'0'53'16,"0"-106"-16,0 123 0,18-17 16,-1-35-1,-17 0-15,18-1 0,-18 1 16</inkml:trace>
+  <inkml:trace contextRef="#ctx0" brushRef="#br0" timeOffset="85569.7431">16404 8555 0,'0'53'16,"0"-106"-16,0 123 0,18-17 16,-1-35-1,-17 0-15,18-1 0,-18 1 16</inkml:trace>
   <inkml:trace contextRef="#ctx0" brushRef="#br0" timeOffset="85726.1898">16404 8326 0,'18'-18'0,"-1"18"15,-17-18-15,18 18 16</inkml:trace>
   <inkml:trace contextRef="#ctx0" brushRef="#br0" timeOffset="89680.8342">10777 8520 0,'18'0'15,"17"0"1,36-18-16,-18 18 15,88 0 1,-71 0-16,124-18 16,-88 1-16,-18-1 15,1 18-15,-19 0 0,18 0 16,-52 0-16</inkml:trace>
   <inkml:trace contextRef="#ctx0" brushRef="#br0" timeOffset="90731.3788">14870 9278 0,'-18'0'16,"36"0"-1,-1 0 1,1 0-16,88 0 16,-36 0-16,36 0 15,0 0-15,17 0 0,160 0 16,-125 0-16,142 0 16,-159 0-16,0 0 15,-17 0-15,-36-18 0,53 18 16,-123 0-16</inkml:trace>
   <inkml:trace contextRef="#ctx0" brushRef="#br0" timeOffset="101233.0081">2381 5133 0,'18'18'47,"70"-18"-47,-35 17 16,0-17-16,17 0 0,-17 0 15,71 0-15,-71 0 16,35 0-16,-53-17 16,1 17-1,-54-18 1,0 18-16</inkml:trace>
-  <inkml:trace contextRef="#ctx0" brushRef="#br0" timeOffset="101458.7921">2840 4939 0,'0'18'16,"35"-1"-1,-17 1-15,-1-1 0,54 19 16,-36-19-16,53 19 15,-35-19 1,0 1-16,-17 0 16,-19 17-16,-34 0 15,-1-17-15,-17 17 0,-1 0 16,-87 18 0,17 0-16,53-18 15,18-17-15</inkml:trace>
+  <inkml:trace contextRef="#ctx0" brushRef="#br0" timeOffset="101458.792">2840 4939 0,'0'18'16,"35"-1"-1,-17 1-15,-1-1 0,54 19 16,-36-19-16,53 19 15,-35-19 1,0 1-16,-17 0 16,-19 17-16,-34 0 15,-1-17-15,-17 17 0,-1 0 16,-87 18 0,17 0-16,53-18 15,18-17-15</inkml:trace>
   <inkml:trace contextRef="#ctx0" brushRef="#br0" timeOffset="102148.0674">3969 5856 0,'0'18'0,"17"-18"15,54 17-15,-18-17 16,17 0-16,142 0 16,-88 0-16,211-35 15,-159 35-15,247-18 16,-193 1-16,211 17 16,-230 0-16,1 0 15,158 17 1,-211-17-16,-18 0 0,-17 0 15,35 0-15,-107 0 16,-34 0-16,-36-17 16,-17 17-16</inkml:trace>
-  <inkml:trace contextRef="#ctx0" brushRef="#br0" timeOffset="105430.4103">18997 6703 0,'0'17'16,"18"72"-1,-1-19-15,1 142 16,0-89 0,-18 195-16,0-124 15,-18 18-15,0-1 0,1-17 16,17 0-16,0-35 15,0-36-15,35 71 0,-17-123 16,-1 17 0,1-52-16,-18-19 15,18 1-15,-18-36 16,-18 1-16</inkml:trace>
+  <inkml:trace contextRef="#ctx0" brushRef="#br0" timeOffset="105430.4102">18997 6703 0,'0'17'16,"18"72"-1,-1-19-15,1 142 16,0-89 0,-18 195-16,0-124 15,-18 18-15,0-1 0,1-17 16,17 0-16,0-35 15,0-36-15,35 71 0,-17-123 16,-1 17 0,1-52-16,-18-19 15,18 1-15,-18-36 16,-18 1-16</inkml:trace>
   <inkml:trace contextRef="#ctx0" brushRef="#br0" timeOffset="107381.5377">22225 7885 0,'-18'0'15,"18"-36"-15,-17 19 16,-1-1-16,0 18 15,1 0-15,-36 18 16,35-1-16,-35 1 0,-17 70 16,35-53-16,-1 18 15,19 0-15,17 0 16,0 18-16,17-36 16,54 18-16,-36-35 15,71-18-15,-53 0 16,35-36-1,-53 1-15,18-36 16,-35 36-16,-1-18 16,-17 0-16,0-17 0,0-1 15,-17 1-15,-1-19 0,-17-69 16,0 70-16,-1-18 16,19 70-16,-1 19 15,0-1-15,1 36 16,17-1-16,0 125 15,17-72 1,1 54 0,0-54-16,-1 18 0,1-17 15,0-1-15,17 1 0,0-18 16,36 53-16,-18-71 16,17 36-16,-34-54 15,-1 1 1,-18-18-16,1 0 15,-36 0-15,18-18 16,-17 1-16</inkml:trace>
   <inkml:trace contextRef="#ctx0" brushRef="#br0" timeOffset="108265.2515">23001 7638 0,'0'0'15,"18"-36"-15,-18 19 0,0-1 16,-18-17-16,0 17 16,1 1-16,-1-1 15,1 18-15,-1 0 16,-17 0-16,17 18 0,-35 34 16,18-16-16,17 17 15,1 70-15,17 36 16,0-106-16,17 17 15,54 54 1,-36-89-16,18 0 0,70 18 16,-70-35-16,71-18 15,-54-18-15,-17 1 16,35-54-16,-52 36 16,-19-53-1,-17 35-15,-17-71 16,-1 54-16,-17-1 15,0 1-15,-18-19 0,0 36 0,-53-35 16,53 71-16,-53 17 16,53 17-16,18 19 15,0 16-15,17 54 16,18-53-16,53 53 16,0-71-16,53 54 15,-53-72-15,52 36 16,-52-35-16,36-1 15,-72-17-15,36 0 16,-35 0 0</inkml:trace>
   <inkml:trace contextRef="#ctx0" brushRef="#br0" timeOffset="109366.4953">23742 8255 0,'0'0'0,"0"-18"16,0 1-1,0-1-15,-18 0 0,1 18 16,-1 0 0,-17 36-16,17-19 15,0 19-15,1-19 16,17 19-16,0-19 15,0 1-15,17-1 0,1-17 16,0 18-16,-1-18 16,1 0-16,17-18 15,-17 18-15,17-17 16,-35-1-16,0 1 16,0-1-16,0 0 15,-17 1-15,17 34 31,17 19-15,-17-19 0,36 18-16,-19-35 15,36 18-15,-35-18 16,-1 0 0,-17-18-16,18-17 15,-18 18-15,-18 17 16,18 17-1,0 71 1,0-35-16,18 71 16,-18-71-16,18 0 15,-18-18-15,17 0 0,-17 18 16,0-71 15,-17-52-15,17 35-16,-18-1 0,18-17 0,0 18 15,0-71 1,18 53-16,-1-17 16,-17 52-16,18 18 0,0 0 15,-1 0-15,1 18 16,-18 17-16,0-17 16,-35-1-1,17-17-15,-17 0 16,17-17-1</inkml:trace>
@@ -419,13 +415,13 @@
   <inkml:trace contextRef="#ctx0" brushRef="#br0" timeOffset="124972.1072">6332 11712 0,'-17'18'0,"-1"0"15,142 52-15,-213-176 0,36 159 0,36-18 0,17 1 16,17-1-16,19 18 15,-1-35-15,0-1 16,53-17-16,-52 0 16,34-17-1,-34-1-15,-1-17 16,-17 17-16,-18-53 16,0 36-16,-18-71 15,0 36-15,1-1 0,17-17 16</inkml:trace>
   <inkml:trace contextRef="#ctx0" brushRef="#br0" timeOffset="125133.5488">6544 11060 0,'0'0'0,"0"35"0,18 18 15,-1 88-15,1-71 16,17 89-16,-35-71 16,18-17-16,0 0 15,-1-19-15,18 54 16,-17-70-16,0 16 15,-1-52-15,1 0 16,0 0-16,-1-17 0</inkml:trace>
   <inkml:trace contextRef="#ctx0" brushRef="#br0" timeOffset="125332.6063">6897 11659 0,'-35'0'15,"70"0"-15,-88 0 0,18 18 16,17-18-16,0 35 15,1-17 1,34 17-16,1-17 16,35-1-16,-18 1 15,18 17-15,-18-35 16,18 18 0,-35 0-16,-18-1 0,18-17 15,-18 18-15</inkml:trace>
-  <inkml:trace contextRef="#ctx0" brushRef="#br0" timeOffset="134152.3547">10901 11818 0,'0'0'0,"-35"0"0,-18 18 16,17 17-1,-34 36-15,52-36 16,-17 71-16,35-53 16,18 17-16,-1-35 15,54-17-15,-18-18 16,35-53-16,-35 18 16,0-18-1,0-18-15,-18 1 0,18-71 16,-53 70-16,0-88 15,-18 89-15,-35-89 16,18 71-16,-53-18 16,52 71-16,-16 17 15,34 36-15,0 105 16,18-35-16,36 106 16,-1-88-16,35 71 15,-17-107-15,0 1 16,0-18-16,-18-18 15,54 18-15,-54-18 16,0-17-16,-17-18 16,-18-18-16</inkml:trace>
+  <inkml:trace contextRef="#ctx0" brushRef="#br0" timeOffset="134152.3546">10901 11818 0,'0'0'0,"-35"0"0,-18 18 16,17 17-1,-34 36-15,52-36 16,-17 71-16,35-53 16,18 17-16,-1-35 15,54-17-15,-18-18 16,35-53-16,-35 18 16,0-18-1,0-18-15,-18 1 0,18-71 16,-53 70-16,0-88 15,-18 89-15,-35-89 16,18 71-16,-53-18 16,52 71-16,-16 17 15,34 36-15,0 105 16,18-35-16,36 106 16,-1-88-16,35 71 15,-17-107-15,0 1 16,0-18-16,-18-18 15,54 18-15,-54-18 16,0-17-16,-17-18 16,-18-18-16</inkml:trace>
   <inkml:trace contextRef="#ctx0" brushRef="#br0" timeOffset="138423.9075">11695 11483 0,'0'-18'16,"17"18"-16,-17-17 15,18 17-15,-18-18 16,18 18 0,-18-18-16,0 1 15,0-1 1,0 0 0,-18 1-16,0 17 15,18-18-15,-17 18 16,-1 18-16,-35 17 15,35 0-15,-35 54 16,36-37 0,-1 54-16,18-35 15,0 35-15,18-53 16,35 35-16,0-53 16,35 0-16,-35-35 15,70-17 1,-70-1-16,53-52 15,-71 34-15,1-17 0,-19-52 16,-17 52-16,-35-53 16,0 53-16,-71-35 15,35 52-15,1 19 16,-71-1 0,88 36-16,-18-1 0,1 36 15,52 0-15,36 18 16,-1-18-16,36-18 15,0 18-15,18-35 16,-1 17-16,71 0 16,-70-17-16,35-1 15,-53 1-15,-18-18 16,-18 0-16</inkml:trace>
   <inkml:trace contextRef="#ctx0" brushRef="#br0" timeOffset="139402.2088">12383 11959 0,'-18'-17'15,"0"17"-15,1 0 0,-1-18 16,-35 18-16,35 18 15,-17 17 1,17-18-16,1 36 16,17-17-16,17-19 15,1 1-15,0 17 0,35-17 16,-18-1-16,36-34 16,-54 17-16,1-18 15,-1 1-15,-17-19 16,0 19-16,-17-36 15,-1 35-15,1 18 16,-1 0-16,0 0 0,1 18 16,17-1-1,17 19-15,1-19 16,35 19-16,-18-36 16,18 0-16,-35 0 15,-1 0-15,-17-18 16,0 0-1,-17 18-15,17 18 16,0 35 0,17-18-16,-17 18 15,18-18-15,17 36 16,-17-36-16,17 36 16,-35-54-16,18 1 15,-36-18 1,-17-35-1,17-1-15,1 1 0,-1-18 16,-17-53 0,35-17-16,0 70 15,17-18-15,1 71 16,35-17-16,-18 17 16,-17 17-16,35 19 15,-53-1-15,0-17 16,0 35-16,-18-36 15,0 1-15,-17-18 16,17 0-16,1 0 16,-1-18-16,18 1 15</inkml:trace>
   <inkml:trace contextRef="#ctx0" brushRef="#br0" timeOffset="139724.3457">12788 12206 0,'0'0'16,"18"88"-16,-1-52 0,-17 17 0,0-1 15,0-16-15,0-1 0,0 18 16,-17-35-16,17-36 31,-18-35-15,1-18-16,17 19 16,-18-54-16,18 35 15,0 18-15,0 0 0,18 0 16,17 18-16,-18 35 15,36 0 1,-35 35-16,0-17 16,-18 17-16,17 1 0,-17-1 15,0-18-15,-35 1 16,17 0-16,1-18 16,-1-18-16,0 0 15,18-17-15,18 0 16</inkml:trace>
   <inkml:trace contextRef="#ctx0" brushRef="#br0" timeOffset="140199.4741">13000 12100 0,'18'36'16,"-36"-72"-16,36 89 0,-18-35 16,0-1-16,0 1 15,-18-18-15,18-18 31,0-17-15,0 18-16,0-19 16,18 19-16,-1-1 15,1 18 1,-1 0-16,1 0 16,0 18-1,-18-1-15,0 1 16,0 0 15,17-18-15,1 0-16,0 0 15,-1 0 1,1 0 0,-18-36-1,0 19-15,-18-19 16,18 19-16,-17-1 15,-1 18 1,0 0 0,36 0-1,0 0 1,-1 0 0</inkml:trace>
   <inkml:trace contextRef="#ctx0" brushRef="#br0" timeOffset="140308.6041">13176 12047 0,'0'18'16,"0"-36"-1,18 54-15,-18-19 0,18 1 0,34 0 16,-34-18-16,35 0 16,-35 0-1,17-18-15,-17 18 16,-1-18-16</inkml:trace>
-  <inkml:trace contextRef="#ctx0" brushRef="#br0" timeOffset="140454.5816">13423 12047 0,'-35'36'16,"17"-19"-16,1 19 15,-1-19-15,18 1 16,-18-1-16,18 1 0,0 0 16,18-18-1</inkml:trace>
+  <inkml:trace contextRef="#ctx0" brushRef="#br0" timeOffset="140454.5815">13423 12047 0,'-35'36'16,"17"-19"-16,1 19 15,-1-19-15,18 1 16,-18-1-16,18 1 0,0 0 16,18-18-1</inkml:trace>
   <inkml:trace contextRef="#ctx0" brushRef="#br0" timeOffset="141309.5963">13970 11853 0,'18'0'31,"35"18"-16,-18-18-15,0 18 16,36-18-16,-36 0 16,0 0-16,1 0 0,-19 0 15,1 0-15,-1 0 16,-34 0-16</inkml:trace>
   <inkml:trace contextRef="#ctx0" brushRef="#br0" timeOffset="141972.3333">14764 11836 0,'0'0'16,"-36"-18"-16,19 18 15,-18 0-15,17 18 0,0-1 16,-17 1-16,17 17 0,18 1 16,-17-1-16,17 0 0,0 36 15,0-36-15,35 18 16,-17-53-16,17 17 15,-17-17-15,17 0 0,18-52 16,-36 16 0,19-52-16,-36 35 15,17-70-15,-17 70 16,0-18-16,0 1 0,-17-1 16,-19-88-1,19 106-15,-1 1 16,0 16-16,1 19 0,-1 17 0,1 17 15,-1 54-15,18-1 16,0 19-16,0-1 0,18 0 16,-1 0-16,1 0 15,17 1-15,36 34 16,-36-70-16,0-18 16,1 0-16,-1-17 0,0 0 0,36-1 15,-54-17-15,1-17 16</inkml:trace>
   <inkml:trace contextRef="#ctx0" brushRef="#br0" timeOffset="142365.8809">15169 11659 0,'0'0'0,"0"-17"0,0-19 16,0 19-1,-17 34 1,17 1-16,-18 53 15,1-18-15,17-1 16,0 1-16,17 0 0,18 35 16,-17-52-16,35-1 15,-18-17-15,18-18 16,-35-18-16,17-17 16,-17-1-16,-18 1 15,17 0-15,-17 0 0,-17-54 16,-19 37-16,-16-19 15,16 36 1,-52 17-16,53 18 16,0 18-16,17 17 0,18 0 15,0 36-15,18-36 16,52 18-16,-35-35 16,71 17-1,-53-35-15,35 0 16,-52 0-16,-19 0 15,1 0-15</inkml:trace>
@@ -441,10 +437,10 @@
   <inkml:trace contextRef="#ctx0" brushRef="#br0" timeOffset="162476.59">10742 13653 0,'-18'0'16,"36"0"-16,-53 0 0,35 17 16,-18 1-16,1-1 0,17 19 15,0 17-15,-18 35 16,36-35-16,-1 0 15,1-18-15,17 0 0,0-17 0,36 17 16,-18-35 0,-18 0-16,36-35 15,-36 0-15,18-18 16,-53 17-16,0-34 16,0 17-16,-53-35 15,0 52-15,-35-34 16,35 52-16,0 1 15,18 17-15,-18 0 0,0 35 16,35 0-16,18 36 16,18-18-16,70 35 15,-35-53-15,0-17 16,0-1-16,53 1 16,-53-18-16,0 0 15,-36 0-15,-17-18 16</inkml:trace>
   <inkml:trace contextRef="#ctx0" brushRef="#br0" timeOffset="163499.6681">11324 14005 0,'0'0'16,"-17"-17"-16,-1-1 15,0 18 1,1 18-16,-1-1 16,-17 19-16,35-19 15,0 18-15,-18-17 0,36 17 16,17 1 0,-17-36-16,17 0 15,-17 0-15,-1-18 16,1 0-16,-18 1 15,0-1-15,0 0 0,0 1 16,-18-1 0,18 1-16,-17 17 15,17 17 1,0 1-16,17-1 16,1-17-16,17 0 15,-35 18-15,18-18 16,-1 0-16,1 0 15,-18 18 1,18-1-16,-1 36 16,1 0-16,0 18 15,-1-36-15,1 18 16,-1-35-16,-17-1 16,0-34 15,0-36-31,0 17 15,-17 1-15,17-18 0,0 18 16,0 0-16,-18-54 16,18 54-16,18 18 15,-1 17 1,1 35-16,-18 0 16,0 0-16,0-17 15,0 0 1,-18-18-16,18-18 15</inkml:trace>
   <inkml:trace contextRef="#ctx0" brushRef="#br0" timeOffset="163812.0808">11712 14217 0,'18'88'15,"-36"-176"-15,54 229 0,-36-70 16,0-36-16,0-17 0,17 17 15,-17-53 1,0 1 0,-17-54-16,17 36 15,0-1-15,-18-52 16,18 35-16,18-17 16,-1 34-16,1 36 15,-1 0 1,1 0-16,0 18 15,-1 0-15,-17-1 16,-17 19-16,-1-19 16,0-17-1,1 0-15,17-17 16,0-1-16</inkml:trace>
-  <inkml:trace contextRef="#ctx0" brushRef="#br0" timeOffset="164340.184">11942 14023 0,'-18'18'15,"36"-36"-15,-36 53 0,18-17 16,18-18-16,-1 0 16,1 0-16,-1 0 15,1-18 1,-18 1-16,18-1 15,-18 36 17,0-1-17,0 1-15,0-1 16,17-17 0,-17 18-16,18-36 15,0 18-15,-18-35 16,0 18-16,0-1 15,0 36 17,17-1-17,1 1 1,17-18 0,-17 0-16,-18-18 15,0 1 1,17 17 15,1 17-15,17 1-1,-17-18 1,0 17-16,-1-17 0,19 0 0,-1 18 16,-17-18-1</inkml:trace>
+  <inkml:trace contextRef="#ctx0" brushRef="#br0" timeOffset="164340.1839">11942 14023 0,'-18'18'15,"36"-36"-15,-36 53 0,18-17 16,18-18-16,-1 0 16,1 0-16,-1 0 15,1-18 1,-18 1-16,18-1 15,-18 36 17,0-1-17,0 1-15,0-1 16,17-17 0,-17 18-16,18-36 15,0 18-15,-18-35 16,0 18-16,0-1 15,0 36 17,17-1-17,1 1 1,17-18 0,-17 0-16,-18-18 15,0 1 1,17 17 15,1 17-15,17 1-1,-17-18 1,0 17-16,-1-17 0,19 0 0,-1 18 16,-17-18-1</inkml:trace>
   <inkml:trace contextRef="#ctx0" brushRef="#br0" timeOffset="164477.9674">12347 14041 0,'0'0'0,"-17"17"16,17 1-16,-18-1 0,0 19 16,18-19-16,0 1 15,-17 0 1</inkml:trace>
   <inkml:trace contextRef="#ctx0" brushRef="#br0" timeOffset="164968.1431">12541 13388 0,'0'0'0,"0"-18"16,0 1-16,18-1 16,0 36 15,-1 70-16,-17-18-15,18 89 16,-1-53-16,-17-18 16,18-17-16,-18 17 15,35 18-15,-17-53 16,0 17-16,-1-52 16,-17 0-16,0-36 31</inkml:trace>
-  <inkml:trace contextRef="#ctx0" brushRef="#br0" timeOffset="165173.4964">12788 13529 0,'0'0'16,"35"176"-16,-17-87 0,0 52 15,-1-71-15,19 18 16,-36-35-16,17-17 16,-17-19-16,0 1 15</inkml:trace>
+  <inkml:trace contextRef="#ctx0" brushRef="#br0" timeOffset="165173.4963">12788 13529 0,'0'0'16,"35"176"-16,-17-87 0,0 52 15,-1-71-15,19 18 16,-36-35-16,17-17 16,-17-19-16,0 1 15</inkml:trace>
   <inkml:trace contextRef="#ctx0" brushRef="#br0" timeOffset="165700.8903">13511 13794 0,'18'0'16,"-36"0"-16,54 0 16,34-18-16,-34 18 15,69-35-15,-34 35 16,-36-18-16,0 18 16,-17 0-1</inkml:trace>
   <inkml:trace contextRef="#ctx0" brushRef="#br0" timeOffset="165846.7021">13723 13653 0,'0'0'0,"0"35"0,18 18 16,-18 0-16,17-18 0,19 71 16,-19-71-16,19 36 15,-19-54-15,1 1 16</inkml:trace>
   <inkml:trace contextRef="#ctx0" brushRef="#br0" timeOffset="166482.1009">14975 13300 0,'-17'0'15,"17"53"1,0 52 0,0-52-16,17 18 0,1 88 15,0-106-15,-1 70 16,1-70-16,0 18 16,-18-54-16,0 18 15,0-17 1</inkml:trace>
@@ -456,28 +452,28 @@
   <inkml:trace contextRef="#ctx0" brushRef="#br0" timeOffset="168426.99">16898 14041 0,'0'0'0,"35"0"16,-17 0-16,53 0 15,-54 17-15,1 1 16,-18-1-16,0 1 0,-18 17 16,1-17-16,-1 35 15,0-35 1,18-1-16,0 1 15,36 0-15,-19-18 16,1 0 0,-1 0-16,-17-18 31</inkml:trace>
   <inkml:trace contextRef="#ctx0" brushRef="#br0" timeOffset="169099.5877">13053 14164 0,'35'-18'0,"0"18"16,-17 0-16,0 0 15,17 18 1,0 35-16,-35-35 0,0 35 15,0-18 1,-17-18-16,-19 19 16,19-1-1,-1-17-15,18-1 16,18-17-16,35 0 16,-18-17-16,0 17 0,18-18 15,-35 18 1,-1 0-16</inkml:trace>
   <inkml:trace contextRef="#ctx0" brushRef="#br0" timeOffset="180927.7884">8096 13864 0,'-17'0'16,"34"0"-1,1 0-15,17 0 16,0 18-16,18-18 15,0 0-15,0 17 0,0-17 16,0 18-16,0-18 0,0 18 0,-18-18 16,18 0-16,0 0 15,-35 0-15,-1-18 16</inkml:trace>
-  <inkml:trace contextRef="#ctx0" brushRef="#br0" timeOffset="181117.3346">8573 13811 0,'-18'0'15,"36"0"-15,-1 18 16,36 0 0,-18-1-16,1-17 15,-1 18-15,0-18 0,36 17 16,-54 1-16,1 0 16,-18 17-16,-53 18 15,18-35-15,-53 34 16,52-16-16,-52-1 15</inkml:trace>
+  <inkml:trace contextRef="#ctx0" brushRef="#br0" timeOffset="181117.3345">8573 13811 0,'-18'0'15,"36"0"-15,-1 18 16,36 0 0,-18-1-16,1-17 15,-1 18-15,0-18 0,36 17 16,-54 1-16,1 0 16,-18 17-16,-53 18 15,18-35-15,-53 34 16,52-16-16,-52-1 15</inkml:trace>
   <inkml:trace contextRef="#ctx0" brushRef="#br0" timeOffset="190966.1876">14217 15769 0,'0'-35'16,"-18"17"-16,-52 1 15,17 17-15,-53 35 16,35-17-16,1 17 0,-36 53 15,53-53-15,0 53 16,36-70 0,34 35-16,1-35 15,70-1-15,-35 1 16,35-18-16,-53 0 16,18 18-1,-53-1-15,-35 36 16,0-18-16,17-17 15,-52 53-15,52-36 16,0 0-16,18-17 0,0 17 16,0-17-16,53-1 15,0-17-15,53 0 16,-53-17-16,35-1 16,-53 18-16,36-18 15</inkml:trace>
   <inkml:trace contextRef="#ctx0" brushRef="#br0" timeOffset="191556.5029">14693 16069 0,'18'0'31,"35"0"-16,-36-18-15,19 18 0,52-35 16,-53 35-16,0-18 16,1 1-16,-19 17 0,19 0 15,-19 0-15</inkml:trace>
   <inkml:trace contextRef="#ctx0" brushRef="#br0" timeOffset="191705.8486">14746 16193 0,'18'17'16,"-1"-17"-16,1 0 15,17 0-15,18-17 16,0-1-16,-18 18 0,18-18 16,-35 18-16,0 18 15</inkml:trace>
-  <inkml:trace contextRef="#ctx0" brushRef="#br0" timeOffset="192368.3549">15857 15469 0,'0'18'16,"18"17"-16,-18 1 16,18 69-16,-1-52 15,1 106-15,-18-88 16,0 52 0,0-52-16,18 17 15,-18-53-15,17 18 16,1-53-16,-1 0 15,1 0-15</inkml:trace>
+  <inkml:trace contextRef="#ctx0" brushRef="#br0" timeOffset="192368.3548">15857 15469 0,'0'18'16,"18"17"-16,-18 1 16,18 69-16,-1-52 15,1 106-15,-18-88 16,0 52 0,0-52-16,18 17 15,-18-53-15,17 18 16,1-53-16,-1 0 15,1 0-15</inkml:trace>
   <inkml:trace contextRef="#ctx0" brushRef="#br0" timeOffset="192734.1107">16334 15910 0,'0'0'0,"-18"-17"16,0 34-16,-17 36 15,35 0-15,0 0 16,0-18-16,18 18 0,-1 0 16,1-18-16,70 36 15,-53-36-15,18-17 16,0-18-16,18 0 0,17-18 15,-35 1-15,0-54 16,-35 36-16,-18-36 16,-36 18-16,-52-17 15,53 34-15,-71 1 16,53 18-16,0 17 16,-17 0-16,52 0 15,0 0 1,36 0-16,0 0 0,-1 0 15</inkml:trace>
   <inkml:trace contextRef="#ctx0" brushRef="#br0" timeOffset="193001.653">16916 15663 0,'35'-17'16,"-17"17"-16,17-18 15,0 18-15,-17-18 0,-1 18 16,19 0-16,-19 18 15</inkml:trace>
   <inkml:trace contextRef="#ctx0" brushRef="#br0" timeOffset="193419.5407">17339 15293 0,'18'-18'16,"-1"18"0,19 0-16,-1-17 15,0 17-15,-17-18 16,17 18-16,-17 0 15,17-18-15,-17 18 16,-1 0 0,-17 18-1,0 17 1,0-17-16,0 35 16,18-36-16,0 54 15,-18-36-15,35 36 16,-35-53-16,17 34 15,1-34-15,-18 0 16,18-18-16,-18 17 0,0 1 31,-18-18-15</inkml:trace>
-  <inkml:trace contextRef="#ctx0" brushRef="#br0" timeOffset="193602.3842">17498 15575 0,'70'-17'0,"-140"34"0,176-52 16,-71 35-16,53-35 15,-53 35-15,-17-18 16,17 18-16</inkml:trace>
+  <inkml:trace contextRef="#ctx0" brushRef="#br0" timeOffset="193602.3841">17498 15575 0,'70'-17'0,"-140"34"0,176-52 16,-71 35-16,53-35 15,-53 35-15,-17-18 16,17 18-16</inkml:trace>
   <inkml:trace contextRef="#ctx0" brushRef="#br0" timeOffset="196916.5269">14005 17110 0,'-17'0'0,"-1"0"16,18-18-1,18 18 1,17 0 0,0 0-16,53 0 15,-17 0-15,105-35 16,-52 17-16,-1 1 16,18-19-16,36 19 0,-1-19 15,18 1-15,0 17 0,18-17 16,0 0-16,-1 0 0,1 17 15,158-35 1,-193 35-16,123 1 16,-195-1-16,-34 18 0,-18 0 15,-18 0-15,-17 0 16</inkml:trace>
   <inkml:trace contextRef="#ctx0" brushRef="#br0" timeOffset="198986.5651">9754 14728 0,'0'18'16,"18"-18"-1,0 18-15,-1-18 16,1 0-16,17 0 0,0 0 15,36 0 1,-18 0-16,0 0 0,0 0 16,35-18-16,71 0 15,-53 18-15,105-35 16,-105 35-16,141-35 16,-124 35-16,19 0 15,104-18-15,-104 1 16,140 17-16,-141-18 15,141 18-15,-141 0 16,159 0-16,-141 0 16,-18 0-16,176 0 15,-158 0-15,141 18 16,-141-1-16,141-17 16,-142 18-16,19-18 15,140 0-15,-158-18 16,17 18-16,142-17 15,-159-1-15,-1 18 16,125 0-16,-142 0 16,88 18-16,-123-1 15,106 1-15,-124 0 16,88-1-16,-105-17 16,70 0-1,-106 0-15,53-17 16,-70 17-16,0 0 0,-18-18 15</inkml:trace>
   <inkml:trace contextRef="#ctx0" brushRef="#br0" timeOffset="200448.3439">19614 12700 0,'0'-18'16,"18"1"-1,-18-1-15,35-35 16,1 18-16,-19 17 15,1 1-15,17-1 0,18 0 16,-35 18-16,-1 0 16,19 36-1,-19 17 1,-17-18-16,0 0 0,0 18 16,18-18-1,-18-17-15,18 0 16,-1-18-16,-17-18 15,18 0-15,0 1 0,-1-19 16,1 19-16,-1-19 0,1 19 16,0-18-16,-18 17 15,17 0 1,-34 18 0</inkml:trace>
   <inkml:trace contextRef="#ctx0" brushRef="#br0" timeOffset="200814.7047">19808 13035 0,'18'-17'16,"0"-19"-1,-1 1-15,-17 17 0,36-35 16,-19 53-16,-17-17 16,18 34-16,-18 1 15,18 35-15,-1-18 16,19 18 0,-19-18-16,36 1 15,-35-36-15,52 0 16,-34 0-16,16-53 15,-34 35-15,17-35 16,-17 18-16,0 0 16,-18 17-16,-18 0 15,0 18 1,1 18 0</inkml:trace>
   <inkml:trace contextRef="#ctx0" brushRef="#br0" timeOffset="201827.7586">22066 11906 0,'0'-17'0,"18"52"15,-18 71 1,18-18-16,-18 124 16,0-89-16,0 1 0,0-19 15,17 54-15,18-71 16,-35-52-16,18-19 16,-18 1-1</inkml:trace>
-  <inkml:trace contextRef="#ctx0" brushRef="#br0" timeOffset="202132.0804">22437 12453 0,'0'0'0,"0"35"16,-18 1-16,18 34 0,-18-17 15,18 71-15,0-72 16,36-16-16,-1-1 0,71 18 15,-36-53 1,1-18-16,52-35 16,1-17-1,-89 17-15,-17 0 0,-18-88 16,-71 53 0,18 70-16,-53 0 15,54 18-15,16 0 16,-17 18-16,53 0 15,0-1-15,18 19 16,17-36-16</inkml:trace>
+  <inkml:trace contextRef="#ctx0" brushRef="#br0" timeOffset="202132.0803">22437 12453 0,'0'0'0,"0"35"16,-18 1-16,18 34 0,-18-17 15,18 71-15,0-72 16,36-16-16,-1-1 0,71 18 15,-36-53 1,1-18-16,52-35 16,1-17-1,-89 17-15,-17 0 0,-18-88 16,-71 53 0,18 70-16,-53 0 15,54 18-15,16 0 16,-17 18-16,53 0 15,0-1-15,18 19 16,17-36-16</inkml:trace>
   <inkml:trace contextRef="#ctx0" brushRef="#br0" timeOffset="202366.9859">23195 12294 0,'0'0'16,"53"-17"-16,-35 17 0,35-18 16,-18 0-1,18 1-15,-36-1 16,19 0-16,-19 18 15,-17-17-15</inkml:trace>
   <inkml:trace contextRef="#ctx0" brushRef="#br0" timeOffset="202767.1907">23654 11889 0,'53'-18'16,"-106"36"-16,141-36 0,-35 0 16,-18 1-16,36-1 15,-54 0 1,19 18-16,-36 18 47,-18 17-32,18-17-15,18 17 16,-18 1-16,17 34 16,-17-35-16,36 18 15,-36-17-15,35-1 16,-35-18-16,17 1 15,-17 0-15,-17-18 32</inkml:trace>
   <inkml:trace contextRef="#ctx0" brushRef="#br0" timeOffset="202906.1275">23777 12100 0,'53'0'15,"-106"0"-15,194-17 16,-88-1-16,0 18 0,0-18 0,-18 18 16,18 0-1</inkml:trace>
-  <inkml:trace contextRef="#ctx0" brushRef="#br0" timeOffset="204040.9524">25083 12823 0,'35'0'15,"18"0"-15,53-17 16,-36-1-16,54-17 16,-54 17-16,36-17 15</inkml:trace>
-  <inkml:trace contextRef="#ctx0" brushRef="#br0" timeOffset="204557.4616">26741 12682 0,'-53'-53'15,"106"106"-15,-142-123 0,19 52 16,17 36-16,-18 35 16,36-18-16,0 18 0,17 35 15,36-35 1,17 0-16,0-18 16,54-17-16,-37-18 15,37-35-15,-54-1 16,0 1-16,-17-18 0,-1 18 15,-17-53 1,0 35-16,0 35 16,0 0-16,-17 1 0,17 52 15,-18 18-15,18 88 16,0-70-16,18 105 16,-1-88-16,1 36 15,0-54-15,-18 1 16,0-36-16,-36-17 15,19-18-15,-18-36 16,17 1-16,-35-53 16,35 53-16,1-89 15,-1 71-15,18-70 16</inkml:trace>
+  <inkml:trace contextRef="#ctx0" brushRef="#br0" timeOffset="204040.9523">25083 12823 0,'35'0'15,"18"0"-15,53-17 16,-36-1-16,54-17 16,-54 17-16,36-17 15</inkml:trace>
+  <inkml:trace contextRef="#ctx0" brushRef="#br0" timeOffset="204557.4615">26741 12682 0,'-53'-53'15,"106"106"-15,-142-123 0,19 52 16,17 36-16,-18 35 16,36-18-16,0 18 0,17 35 15,36-35 1,17 0-16,0-18 16,54-17-16,-37-18 15,37-35-15,-54-1 16,0 1-16,-17-18 0,-1 18 15,-17-53 1,0 35-16,0 35 16,0 0-16,-17 1 0,17 52 15,-18 18-15,18 88 16,0-70-16,18 105 16,-1-88-16,1 36 15,0-54-15,-18 1 16,0-36-16,-36-17 15,19-18-15,-18-36 16,17 1-16,-35-53 16,35 53-16,1-89 15,-1 71-15,18-70 16</inkml:trace>
   <inkml:trace contextRef="#ctx0" brushRef="#br0" timeOffset="204785.5491">27040 12982 0,'0'0'16,"36"36"-16,-19-19 0,-17-34 31,-17-19-15,17 19-16,0-54 15,0 36-15,0-36 16,0 36-16,17-18 15,1 35-15,0 1 16,-1 17 0,1 17-1,-18 1-15</inkml:trace>
-  <inkml:trace contextRef="#ctx0" brushRef="#br0" timeOffset="205543.8944">27234 12894 0,'53'-18'16,"-35"1"-16,35-1 16,-35 0-1,-1 1-15,1-18 16,-18 17-16,-18 18 15,1 0-15,-19 18 16,19-1-16,-1 36 16,0-35-1,18 35-15,18-36 16,35 1-16,-35-18 16,52 0-16,-35 0 15,18-35-15,-35 17 16,17-35-1,-17 35-15,-18 1 16,-18 34-16,-17 19 16,17-1-1,1 0-15,17 1 0,0 17 16,0-36-16,35 1 16,-17-1-16,35-34 15,-18 17-15,-18-35 16,1 17-16,0 0 0,-18-35 15,0 18-15,0 0 16,-18 35 0,18 53-1,0-36-15,35 36 16,-17-35-16,0 0 16,35-1-16,-18-17 15,0-17-15,0-19 0,-17 19 16,53-72-16,-54 54 15,18-71 1,-17 36-16,0-54 16,-18 54-16,0-71 15,-18 88-15,0-18 16,1 71-16,-18 35 16,35 1-16,-18 87 15,18-35-15,18 71 16,17-88-16,18 70 15,-36-71-15,36 19 16,-35-54-16,17 0 16,-35-53-1</inkml:trace>
+  <inkml:trace contextRef="#ctx0" brushRef="#br0" timeOffset="205543.8943">27234 12894 0,'53'-18'16,"-35"1"-16,35-1 16,-35 0-1,-1 1-15,1-18 16,-18 17-16,-18 18 15,1 0-15,-19 18 16,19-1-16,-1 36 16,0-35-1,18 35-15,18-36 16,35 1-16,-35-18 16,52 0-16,-35 0 15,18-35-15,-35 17 16,17-35-1,-17 35-15,-18 1 16,-18 34-16,-17 19 16,17-1-1,1 0-15,17 1 0,0 17 16,0-36-16,35 1 16,-17-1-16,35-34 15,-18 17-15,-18-35 16,1 17-16,0 0 0,-18-35 15,0 18-15,0 0 16,-18 35 0,18 53-1,0-36-15,35 36 16,-17-35-16,0 0 16,35-1-16,-18-17 15,0-17-15,0-19 0,-17 19 16,53-72-16,-54 54 15,18-71 1,-17 36-16,0-54 16,-18 54-16,0-71 15,-18 88-15,0-18 16,1 71-16,-18 35 16,35 1-16,-18 87 15,18-35-15,18 71 16,17-88-16,18 70 15,-36-71-15,36 19 16,-35-54-16,17 0 16,-35-53-1</inkml:trace>
   <inkml:trace contextRef="#ctx0" brushRef="#br0" timeOffset="205699.0613">27781 12665 0,'53'0'0,"-106"0"0,141 0 16,18 0-16,-35 0 15,52 0 1,-70-18-16,35 18 16,-70-18-16,0 18 0</inkml:trace>
   <inkml:trace contextRef="#ctx0" brushRef="#br0" timeOffset="205891.57">28681 12188 0,'17'18'15,"-34"-36"-15,34 71 0,1 18 16,-18-18-16,0 53 15,0-53-15,0 0 16,0 17-16,0-35 0,0 18 16,0-35-16</inkml:trace>
   <inkml:trace contextRef="#ctx0" brushRef="#br0" timeOffset="206012.0928">28822 13070 0,'18'18'15,"-36"-36"-15,36 54 0,-36-19 16,0-17-16</inkml:trace>
@@ -490,7 +486,7 @@
   <inkml:trace contextRef="#ctx0" brushRef="#br0" timeOffset="242763.1506">22648 15752 0,'18'17'15,"-18"36"1,0 0-16,18 88 16,-1-70-16,-17 87 15,0-87-15,0 0 16,18 34-16,-18-52 15,18-17-15,-1-19 16,1-17-16</inkml:trace>
   <inkml:trace contextRef="#ctx0" brushRef="#br0" timeOffset="243081.4293">23036 16122 0,'-17'88'16,"34"-176"-16,-52 229 0,35-17 15,0-72-15,53 54 16,-18-70-16,18-1 16,-17-18-16,16-17 15,19 0-15,70-52 16,-88-19-1,-53 0-15,-18-34 16,-17 52-16,-35-18 16,17 36-1,0 17-15,-35 1 16,52 17-16,1 17 16,17-17-16,36 18 15</inkml:trace>
   <inkml:trace contextRef="#ctx0" brushRef="#br0" timeOffset="243560.3952">23689 15840 0,'0'0'16,"18"0"-16,17-18 16,-17 0-1,17 1-15,35 17 16,-52-18-16,0 18 0</inkml:trace>
-  <inkml:trace contextRef="#ctx0" brushRef="#br0" timeOffset="243914.8511">24095 15558 0,'0'0'0,"17"-18"0,54 0 15,-53 18-15,17 0 16,18 0-16,-36 0 15,1 18-15,-18 0 16,-18-1 0,18 18-16,-17 1 15,-1-1-15,18-17 16,0-1-16,18 19 0,35-1 16,-36-18-16,54 1 15,-53 0-15,-1-1 16,-17 1-16,-35 0 15,17-1-15,-70 1 16,53-18-16,-36 18 16,36-1-16,-18-17 15</inkml:trace>
+  <inkml:trace contextRef="#ctx0" brushRef="#br0" timeOffset="243914.851">24095 15558 0,'0'0'0,"17"-18"0,54 0 15,-53 18-15,17 0 16,18 0-16,-36 0 15,1 18-15,-18 0 16,-18-1 0,18 18-16,-17 1 15,-1-1-15,18-17 16,0-1-16,18 19 0,35-1 16,-36-18-16,54 1 15,-53 0-15,-1-1 16,-17 1-16,-35 0 15,17-1-15,-70 1 16,53-18-16,-36 18 16,36-1-16,-18-17 15</inkml:trace>
   <inkml:trace contextRef="#ctx0" brushRef="#br0" timeOffset="244464.1309">25224 16369 0,'17'18'0,"-34"-36"0,52 36 15,0-18-15,53 0 16,-17 0-16,-18 0 16,88 0-16,-88 0 15,53 17-15</inkml:trace>
   <inkml:trace contextRef="#ctx0" brushRef="#br0" timeOffset="245204.2362">26405 16175 0,'-17'18'15,"17"52"1,0-17-16,0 35 16,17-53-16,36 36 15,-35-36-15,35-17 16,-18 0-16,18-18 15,-35-18-15,-1-17 16,1-1 0,-18 19-16,18-1 15,-18 0-15,0 36 16,0 35-16,17-35 16,1 17-16,0-17 0,52 17 15,-35-18 1,1-17-16,17 0 15,0-17 1,-53-1-16,0-17 0,0-18 16,-36-18-1,19 36-15,-36-35 16,35 52-16,0 0 0,1 18 16,-1 0-16</inkml:trace>
   <inkml:trace contextRef="#ctx0" brushRef="#br0" timeOffset="245561.5444">27270 16351 0,'0'0'15,"17"-17"-15,-34 17 16,17 17 0,0 1-16,-18 17 15,36 18-15,-18-18 0,17-17 16,1 17-16,0-17 16,35 0-16,-18-18 15,0-18-15,-17 0 16,-1-17-16,1 17 0,-18-52 15,0 52 1,-35-35-16,17 18 16,0 17-16,1 1 0,-1 17 15,1 0-15,34 0 16,-17 17-16</inkml:trace>
@@ -508,7 +504,7 @@
   <inkml:trace contextRef="#ctx0" brushRef="#br0" timeOffset="272804.5784">10583 8573 0,'18'0'47,"17"17"-47,1-17 16,69 0-16,-16 0 15,-1 0-15,0-17 16,177-1-16,-107 0 16,177-17-16,-141 17 15,-17 18-15,35 0 0,193 0 16,-211 0-16,159 0 15,-212 0-15,88 0 16,-176 0-16,0 0 16,-35 0-16,0 0 15,-71 0 1,17 0-16</inkml:trace>
   <inkml:trace contextRef="#ctx0" brushRef="#br0" timeOffset="286725.6392">21572 11536 0,'0'-18'16,"0"1"-16,0-1 15,18 0 1,-18 36 15,0 17-15,0-17-16,0 52 15,0 1 1,0-36-16,0 18 16,18 0-16,-18 18 0,0 70 15,0-53-15,0 71 16,0-89-16,-18 1 15,18-18-15,0 17 0,0 1 16,-18 70 0,18-18-16,0-52 0,0-18 15,18 0-15,-18 35 16,18-53-16,-18-17 16,0 17-16,0-17 0,17 35 15,-17-36 1,18-17 46,0 18-46,-1-18 0,1 0-1,17 0 1,-17 0-16,-1 18 0,1-18 15,0 0-15,-1-18 0,1 18 16,0 0-16,-1 0 0,36 0 16,-35 0-16,35 0 15,-36 0-15,36 0 16,-35 0-16,35 18 16,-36-18-1,19 0-15,-19 0 16,19 0-16,-19 0 15,19 0-15,-19 0 16,18 0 0,-17 17-16,0-17 15,35 0-15,-18 0 16,0 0-16,1 0 16,-19 0-16,1 0 0,35 18 15,-18-18 1,-17 0-16,17 18 15,-17-18-15,17 0 0,-18 0 0,19 0 16,34 0-16,18 0 16,-35 0-16,53 0 15,-53 17-15,71-17 16,-54 0 0,71 18-16,-70-18 15,88 17-15,-89-17 16,89 18-16,-89-18 15,72 18 1,-72-18-16,18 0 0,71 17 16,-71-17-16,-17 18 15,17-18-15,0 18 16,-17-1-16,-1 1 0,89 17 16,-71-17-16,0 0 15,-17-1-15,35-17 0,-18 18 16,0-1-16,106 1 15,-88 0-15,0-18 16,0 17-16,0-17 0,-1 18 0,1-18 16,124 18-1,-107-18-15,1 17 0,-1-17 16,0 18-16,1-18 0,123 35 16,-124-35-16,1 18 15,-1-1-15,1-17 0,-18 18 16,123 0-16,-141-18 15,71 17 1,-89-17-16,36 0 16,-53 0-16,-18 0 0,1 0 15,-1 0-15,18-17 16,-35 17-16,17-36 16,-18 36-16,19-35 15,-36 0-15,35-18 16,-35 18-16,18-1 15,-1-16-15,1 16 0,17-87 16,-17 70-16,-1-106 16,1 71-16,0-88 15,-1 87 1,1-87-16,-18 88 16,18-71-16,-1 71 15,1-71-15,0 88 16,-1 1-16,-17 17 0,18-53 15,-18 53 1,0-17-16,0 34 16,0-16-16,0 16 15,0 19-15,-18-19 16,1 19-16,-19-1 16,1 0-16,-53 18 15,35 0-15,-88-17 16,70 17-16,-17-18 15,-18 18-15,-105-18 16,87 1-16,-140-1 16,122 18-16,-175-17 15,158-1-15,-17 18 16,-195-18-16,177 1 16,-194 17-16,177 0 15,-195-18-15,212 18 16,-229-18-16,211 18 15,-247-17 1,248 17-16,-248-18 16,230 0-16,-195 18 15,230 0-15,-194-17 16,194 17-16,-141 0 16,176 0-16,-88 0 15,142 17-15,-72-17 16</inkml:trace>
   <inkml:trace contextRef="#ctx0" brushRef="#br0" timeOffset="305782.9175">30092 16351 0,'18'0'15,"35"-17"1,-1 17-16,90-18 16,-54 18-16,18-18 15,-18 18-15,18 0 0,70 0 16,-88 0-1,36 0-15,-89 0 0,0 0 16,0 18 0,-52-18-16,-1-18 15</inkml:trace>
-  <inkml:trace contextRef="#ctx0" brushRef="#br0" timeOffset="306177.6277">30339 15998 0,'0'-17'16,"-18"17"15,-52 35-15,17 0-16,-53 18 15,71-35-15,-54 35 16,54-35-16,0 17 15,35-18-15,0 1 16,18 17-16,17-17 0,71 35 16,-53-18-16,88 36 15,-71-36-15,54 36 16</inkml:trace>
+  <inkml:trace contextRef="#ctx0" brushRef="#br0" timeOffset="306177.6276">30339 15998 0,'0'-17'16,"-18"17"15,-52 35-15,17 0-16,-53 18 15,71-35-15,-54 35 16,54-35-16,0 17 15,35-18-15,0 1 16,18 17-16,17-17 0,71 35 16,-53-18-16,88 36 15,-71-36-15,54 36 16</inkml:trace>
   <inkml:trace contextRef="#ctx0" brushRef="#br0" timeOffset="313574.4277">30092 12753 0,'18'0'15,"-1"0"1,-17 18-16,36-18 15,16 17-15,1 1 0,36-18 16,16 0-16,1 0 0,159 0 16,-142 0-1,1 17-15,-1-17 0,-17 0 0,53 18 16,-106-18 0,-18 18-16,-17-18 15</inkml:trace>
   <inkml:trace contextRef="#ctx0" brushRef="#br0" timeOffset="313959.0157">30568 12506 0,'0'-18'16,"-17"18"-16,-54 0 15,18 0-15,-70 36 16,52-19-16,18 1 15,-17 0-15,17 17 16,-36 18-16,72-18 16,-1 18-16,18 0 15,53 17-15,-18-34 16,89 70-16,-71-54 16,88 54-1,-88-53-15</inkml:trace>
 </inkml:ink>
@@ -556,14 +552,14 @@
   <inkml:trace contextRef="#ctx0" brushRef="#br0" timeOffset="14887.2457">22066 5786 0,'-17'0'0,"34"0"31,1 0-16,52-18 1,1 18-16,88-18 16,-36 1-16,142-19 15,-124 19-15,176-36 16,-158 35-16,176-35 16,-194 36-16,124-19 15,-177 19-15,-35-1 16</inkml:trace>
   <inkml:trace contextRef="#ctx0" brushRef="#br0" timeOffset="16354.5178">28222 5256 0,'18'0'15,"0"-17"1,70-1-16,88 0 16,-88 1-16,124-18 15,-89 35-15,-17-18 16,-18 0-16,1 18 0,-36-17 16</inkml:trace>
   <inkml:trace contextRef="#ctx0" brushRef="#br0" timeOffset="36287.0073">29281 4269 0,'0'-18'16,"52"0"0,-16 18-16,34-17 15,-34-1-15,-1 0 16,-17 18-16,17-17 15</inkml:trace>
-  <inkml:trace contextRef="#ctx0" brushRef="#br0" timeOffset="36437.5733">29369 4410 0,'0'88'15,"0"-176"-15,0 229 0,17-106 16,54 36-16,-36-54 15,18 1-15,0 0 0,18-1 16,-1-17 0,-35-17-16</inkml:trace>
-  <inkml:trace contextRef="#ctx0" brushRef="#br0" timeOffset="36581.6697">29722 4657 0,'0'0'0,"35"35"16,-18-17-16,1-1 16,17 1-16,-17 0 15,0-18-15</inkml:trace>
+  <inkml:trace contextRef="#ctx0" brushRef="#br0" timeOffset="36437.5732">29369 4410 0,'0'88'15,"0"-176"-15,0 229 0,17-106 16,54 36-16,-36-54 15,18 1-15,0 0 0,18-1 16,-1-17 0,-35-17-16</inkml:trace>
+  <inkml:trace contextRef="#ctx0" brushRef="#br0" timeOffset="36581.6696">29722 4657 0,'0'0'0,"35"35"16,-18-17-16,1-1 16,17 1-16,-17 0 15,0-18-15</inkml:trace>
   <inkml:trace contextRef="#ctx0" brushRef="#br0" timeOffset="36720.434">29827 4339 0,'36'-17'0,"-19"-1"0,1 18 16</inkml:trace>
   <inkml:trace contextRef="#ctx0" brushRef="#br0" timeOffset="37057.3189">30039 4216 0,'0'0'0,"18"0"0,17 0 16,-17 0-16,35 0 15,-18 0 1,-18 17-16,19 1 15,-19-18-15,-17 53 16,0-18-16,0 53 16,0-52-16,0 69 15,0-69-15,0 52 16,18-53-16,17 18 16,-17-35-16,0-1 15,-18-34 1,-36-1-1,19-17-15,-36 0 16,17 17-16,-16 18 16</inkml:trace>
-  <inkml:trace contextRef="#ctx0" brushRef="#br0" timeOffset="37381.423">29774 4516 0,'0'-18'16,"0"36"0,18 17-16,-18 0 15,35 18-15,-35-18 16,36 18-16,-19-35 16,1 17-1,0-17-15</inkml:trace>
+  <inkml:trace contextRef="#ctx0" brushRef="#br0" timeOffset="37381.4229">29774 4516 0,'0'-18'16,"0"36"0,18 17-16,-18 0 15,35 18-15,-35-18 16,36 18-16,-19-35 16,1 17-1,0-17-15</inkml:trace>
   <inkml:trace contextRef="#ctx0" brushRef="#br0" timeOffset="37554.2308">29792 4463 0</inkml:trace>
   <inkml:trace contextRef="#ctx0" brushRef="#br0" timeOffset="40846.9875">23407 6033 0,'0'17'0,"17"18"15,1 1 1,35 70-16,-18-54 15,-17 1-15,17 18 0,0-18 16,-17 0-16,17 35 16,-17-53-16,0 18 15,-18-35 1,0-1-16,-18-17 0</inkml:trace>
-  <inkml:trace contextRef="#ctx0" brushRef="#br0" timeOffset="41179.7273">23283 6421 0,'0'-18'16,"0"0"-16,0 1 0,0-19 15,0 1-15,18 0 16,0 0-16,-18-1 16,17 1-16,-17 0 0,0-1 15,18 1-15,-18-18 16,0 36-16,18 17 16,17 17-1,0 1 1,0 0-16,18-1 0,-17 1 15,16-1-15,19 19 16,-36-36-16,1 17 0,-19-17 16</inkml:trace>
+  <inkml:trace contextRef="#ctx0" brushRef="#br0" timeOffset="41179.7272">23283 6421 0,'0'-18'16,"0"0"-16,0 1 0,0-19 15,0 1-15,18 0 16,0 0-16,-18-1 16,17 1-16,-17 0 0,0-1 15,18 1-15,-18-18 16,0 36-16,18 17 16,17 17-1,0 1 1,0 0-16,18-1 0,-17 1 15,16-1-15,19 19 16,-36-36-16,1 17 0,-19-17 16</inkml:trace>
   <inkml:trace contextRef="#ctx0" brushRef="#br0" timeOffset="42119.8107">28663 5592 0,'18'0'0,"-1"0"15,1 52 1,0-16-16,-1 34 15,1-17-15,35 35 16,-35-35 0,17 0-16,0 18 15,0-36-15,1 18 16,-19-18-16,-17-17 16,-17-18-16,-1 0 15</inkml:trace>
   <inkml:trace contextRef="#ctx0" brushRef="#br0" timeOffset="42382.1665">28522 5874 0,'18'-53'15,"-1"35"-15,19-52 16,-1 34-16,-17 1 15,-1-18-15,1 18 0,17-18 16,-35 18 0,18-1-16,-1 19 15,1 17-15,0 17 16,52 19 0,-17-1-16,-18-17 0,71 35 15,-53-36-15,0 1 16</inkml:trace>
   <inkml:trace contextRef="#ctx0" brushRef="#br0" timeOffset="47404.4079">7038 8978 0,'0'0'0,"-18"0"0,-35-17 16,36 17-16,-36 17 16,18-17-16,-1 53 15,19-18-15,-1 36 16,18-36-16,0 36 15,18-54 1,17 1-16,0 0 0,-17-18 16,70-18-16,-53-17 15,18-36-15,-18 36 16,-35 0-16,18-18 16,-18 17-16,-18-69 15,1 34-15,-36-52 16,35 70-16,-52-35 15,52 52-15,-17 1 16,35 53 0,0 70-1,17-18-15,19 89 16,-1-88-16,0-1 0,1-17 16,16 0-16,-16-18 15,-1-17-15,18 0 0,-18-1 0,-17 1 16,35-18-1</inkml:trace>
@@ -586,7 +582,7 @@
   <inkml:trace contextRef="#ctx0" brushRef="#br0" timeOffset="63792.6149">12083 9208 0,'17'0'0,"1"0"15,35 0 1,-36 17-16,19-17 16,52 0-16,-53 18 15,36-18-15,-54 0 16,19 0-16,-19 0 15,-17-18-15,-17 18 16</inkml:trace>
   <inkml:trace contextRef="#ctx0" brushRef="#br0" timeOffset="64055.2289">12047 9278 0,'0'-18'31,"0"-17"-31,18 18 16,-18-19-16,0 19 0,0-1 15,0-17-15,0 17 16,-18-17-16,18 17 0,0 0 31,18 18-31,17 0 16,1 0-16,-19 0 15,18 18-15,54-18 16,-54 0-16,0 0 0</inkml:trace>
   <inkml:trace contextRef="#ctx0" brushRef="#br0" timeOffset="67489.0998">6720 9666 0,'-17'-18'16,"34"18"0,19-17-1,-1 17-15,88 0 16,-52 0 0,88 0-16,-89 0 15,107 0-15,-89 0 16,-18-18-16,19 18 15,-1-17-15,-18 17 0,1-18 16,-18 0-16,17 1 16,-52 17-16,-36 0 15,1 17-15,-36-17 16,18 0-16,-54 18 16,36-18-16,18 0 15,-71 0-15,53 0 16,-52 0-1,52 18-15,0-18 0,-53 0 16,53 0-16,18 0 16,-18 0-16,18-18 0,-54 0 15,54 18-15,-18-17 16,36 17 0,-1 0-16,36 0 15,17 0 1,0 17-16,0-17 0,18 18 15,71-18-15,-54 18 16,19-18 0,-1 0-16,0 0 0,106-18 15,-88 0-15,-18 18 16,53-35-16,-88 35 0,0-18 16</inkml:trace>
-  <inkml:trace contextRef="#ctx0" brushRef="#br0" timeOffset="78929.5162">25841 4921 0,'18'-17'31,"17"17"-31,35-18 16,1 18-16,70-18 16,-70 1-16,123 17 15,-106-18-15,88 18 16,-123-18-16,53 18 15,-88 0-15,35-17 16,-53-1 0</inkml:trace>
+  <inkml:trace contextRef="#ctx0" brushRef="#br0" timeOffset="78929.5161">25841 4921 0,'18'-17'31,"17"17"-31,35-18 16,1 18-16,70-18 16,-70 1-16,123 17 15,-106-18-15,88 18 16,-123-18-16,53 18 15,-88 0-15,35-17 16,-53-1 0</inkml:trace>
   <inkml:trace contextRef="#ctx0" brushRef="#br0" timeOffset="79163.5989">26793 4639 0,'0'0'0,"18"0"16,0 18-16,52-1 15,-34 1-15,87 17 16,-70-17-16,88 0 16,-70-1-16,52 1 15,-88-1-15,1-17 16,-36 18-16,0 0 0,-53-1 16,0-17-16,-53 18 15,53 0-15,0-18 16,18 0-16,-18 0 0,-18 17 15,36-17 1</inkml:trace>
   <inkml:trace contextRef="#ctx0" brushRef="#br0" timeOffset="79503.7394">25912 4780 0,'0'-17'16,"-36"17"-16,-34 0 15,17 17-15,18-17 16,-18 18-16,-36 35 16,72-36-16,-19 1 15,36 17-15,18 1 16,0-1-16,52 18 0,-17-36 16,53 19-1,-53-36-15,0 17 0</inkml:trace>
   <inkml:trace contextRef="#ctx0" brushRef="#br0" timeOffset="85063.8244">10513 9560 0,'-18'-17'16,"1"-1"0,34 18-16,1 0 15,17 0-15,71 18 16,-36-18-16,89 0 16,-71 17-16,18-17 15,0-17-15,0 17 0,123-18 16,-141 0-16,71-17 15,-106 35-15,0-18 16,-35 1-16,-1 17 0,-34 0 31</inkml:trace>
@@ -637,7 +633,7 @@
   <inkml:trace contextRef="#ctx0" brushRef="#br0" timeOffset="4861.3564">22701 10072 0,'0'0'0,"18"35"0,-18-17 16,18 17-16,-1-17 15,1-18-15,-1 17 16</inkml:trace>
   <inkml:trace contextRef="#ctx0" brushRef="#br0" timeOffset="4949.1127">22807 9984 0</inkml:trace>
   <inkml:trace contextRef="#ctx0" brushRef="#br0" timeOffset="5138.2917">22878 9878 0,'0'0'16,"17"-18"-16,1 18 0,17 0 16,-17 0-16,-1 53 15,1-35-15,-18 52 16,0-34-16,0 34 15,-18-35 1,1 1-16</inkml:trace>
-  <inkml:trace contextRef="#ctx0" brushRef="#br0" timeOffset="5367.9888">23195 10478 0,'-17'35'0,"34"-70"0,-52 87 16,17-34-16,1 0 0,-1 17 15,0-17-15,18-1 16,-17 1-16,-1 0 0,18-1 15</inkml:trace>
+  <inkml:trace contextRef="#ctx0" brushRef="#br0" timeOffset="5367.9887">23195 10478 0,'-17'35'0,"34"-70"0,-52 87 16,17-34-16,1 0 0,-1 17 15,0-17-15,18-1 16,-17 1-16,-1 0 0,18-1 15</inkml:trace>
   <inkml:trace contextRef="#ctx0" brushRef="#br0" timeOffset="5857.0581">23513 10336 0,'0'0'15,"0"18"-15,0 0 0,0 17 16,0-17-1,0-1-15,0 19 16,0-19-16,17-17 16,19 0-16,-19-17 15,18-19-15,-17 19 16,0-19 0,-1 36-16,-17-17 0,18 34 15,0 36 1,-18-17-16,17 52 15,-17-53-15,0 18 0,0-18 16,-17 36-16,-1-36 16,0-17-16,1-18 15,-1 17-15,-35-34 16,18-1-16,-18-17 16,35-1-16,-17-52 15,17 53-15,1-71 16</inkml:trace>
   <inkml:trace contextRef="#ctx0" brushRef="#br0" timeOffset="6079.4496">23689 9931 0,'0'17'15,"0"36"1,0-35-16,0 17 0,18 18 15,-1-18 1,1-17-16,17 17 16,-17-17-16,17-18 15,-17 0-15,17-18 16,-35 1-16,0-19 16</inkml:trace>
   <inkml:trace contextRef="#ctx0" brushRef="#br0" timeOffset="6167.5628">23901 10089 0,'17'36'16,"1"-19"0</inkml:trace>
@@ -653,7 +649,7 @@
   <inkml:trace contextRef="#ctx0" brushRef="#br0" timeOffset="9593.8787">26229 10742 0,'0'0'0,"0"35"0,0 18 16,0-35-16,0 17 16,0-17-16,0-1 0,0 1 15,18-18-15,-18-18 16,17-17-1,-17 18-15,36-19 16,-36 19-16,17 17 16,1 0-16,0 0 15,-1 35 1,1-35-16,-1 18 16,1-18-1,-18-18 1,18 18-1,-1 0-15,19 0 16,-19 18 0,1-1-16,17 1 0,36-1 15,-54 1-15,36 0 16,-35-18 0,0 17-16</inkml:trace>
   <inkml:trace contextRef="#ctx0" brushRef="#br0" timeOffset="10828.3478">27587 10037 0,'71'-18'16,"-36"18"-16,0-18 15,18 1 1,-35 17-16,17-18 0,-17 18 16,-1 0-16,-52 0 15,-35 0-15,17 0 16,-88 18-1,88-1-15,-18 1 0,36 0 16,-18-18-16,35 17 0,18 1 16,36 17-16,16-17 15,72 17-15,-53-17 16,52-1-16,-88 1 16,18 0-1,-35-1-15,-36-17 16,-88 53-16,18 0 15,0-18 1,53-17 0,35 0-16,17-18 15,19 0-15,52 0 16,-35 0-16,35 0 16,-53 0-16</inkml:trace>
   <inkml:trace contextRef="#ctx0" brushRef="#br0" timeOffset="11139.0062">27481 10989 0,'36'18'16,"-72"-36"-16,89 36 15,-35-36-15,17 0 0,18-17 16,-35 0-16,-1 0 15,-17 17-15,0-17 0,0 17 16,-17 18-16,-1-18 16,1 36-16,-1 17 15,0 1-15,18 34 16,0-35-16,18-17 0,0 17 16,52 1-16,-35-19 15,18 1-15,-35 0 16,17-18-1,-17 0-15,-36-18 16</inkml:trace>
-  <inkml:trace contextRef="#ctx0" brushRef="#br0" timeOffset="11740.6565">28557 9860 0,'0'18'16,"0"-1"-16,18 36 0,-18 71 16,18-54-16,-18 1 15,35 70-15,-35-70 16,35 34 0,-17-69-16,17 17 15,-17-36-15,17-17 16,-35-17-16,0-1 15</inkml:trace>
+  <inkml:trace contextRef="#ctx0" brushRef="#br0" timeOffset="11740.6564">28557 9860 0,'0'18'16,"0"-1"-16,18 36 0,-18 71 16,18-54-16,-18 1 15,35 70-15,-35-70 16,35 34 0,-17-69-16,17 17 15,-17-36-15,17-17 16,-35-17-16,0-1 15</inkml:trace>
   <inkml:trace contextRef="#ctx0" brushRef="#br0" timeOffset="11920.708">28787 10054 0,'35'159'16,"-70"-318"-16,88 388 0,-36-140 0,36 34 15,-35-52-15,35 17 16,-36-53-16,1 0 16,0-35-16</inkml:trace>
   <inkml:trace contextRef="#ctx0" brushRef="#br0" timeOffset="12391.0442">29298 10178 0,'0'0'0,"-17"17"0,17 19 15,-18 52 1,18-35-16,18 35 16,-1-53-16,1 0 0,-1-17 15,36 17-15,-17-35 16,-1 0 0,-17-17-16,-1-1 15,-17 0-15,0-17 16,-17 18-16,17 34 15,17 36 1,19-35 0,-19-1-16,36 19 15,-35-36-15,17 0 0,0-18 16,-17 0-16,-18-17 16,0 0-16,0 0 15,-18-1-15,-17-34 16,17 34-16,1-17 15,-1 18-15,18 18 16</inkml:trace>
   <inkml:trace contextRef="#ctx0" brushRef="#br0" timeOffset="12673.6646">29722 9931 0,'0'0'16,"17"-18"-16,1 18 0,17-18 15,-17 18-15,35 0 16,-36 0 0,-34 18-1,-1 0 1,-17 17-16,35-17 15,-36 17-15,36 0 16,0-17-16,0-1 0,18 19 16,-18-19-16,18 1 0,-1 0 15</inkml:trace>
@@ -673,19 +669,19 @@
   <inkml:trace contextRef="#ctx0" brushRef="#br0" timeOffset="33435.083">20408 12259 0,'35'18'0,"-70"-36"0,88 36 16,-35-18-16,-18 17 15,-18-17 1,-17-35 0,17 17-16,18-35 15,0 36-15,18-1 16,-18 1-16,17-1 15,19 18 1,-19 0-16,1-18 16,0 18-16,-1 0 0,1 0 15,0 0-15,-1 0 16,1 18-16,-18 0 16,0-1-1,0 1-15,0-1 16,0 1-16,0 0 15,18-18 1,17 0 0,-18-18-16,19 0 15,-36 1 1,17-18-16,-17 17 16,0 0-1,-17 18 1,17 36-1,0-1 1,17-35-16,19 17 16,-19 1-16,36-18 15,-35 0-15,17 0 16</inkml:trace>
   <inkml:trace contextRef="#ctx0" brushRef="#br0" timeOffset="33924.3809">20920 12171 0,'0'0'0,"0"17"16,0 1-16,17 17 16,19-17-1,-1-18-15,0-18 16,18 1-16,-35-19 16,-1-16-16,-17 16 15,-17-34 1,-1 34-16,0 1 0,1-18 15,-1 18-15,-17-53 16,17 53-16,-17-1 16,17 19-16,18 34 15,0 1-15,0 17 0,0 53 16,36-35-16,-1 35 16,0-35-16,36 18 15,-54-36-15,19-17 16,-19-1-16,1 1 0,0-18 15,-1 0 48,-17 18-47,18-18-16,0 0 15,-18-18 1,0 0-1,17 18-15,1 18 16,-1-18 0,-17 18-16,36-18 15,-19 0-15</inkml:trace>
   <inkml:trace contextRef="#ctx0" brushRef="#br0" timeOffset="34234.301">21467 12153 0,'-18'18'0,"36"-36"0,-18-17 0,17-18 15,-17 18-15,0-53 16,0 35-16,0 17 15,0-17-15,-17 1 0,-1-19 16,18 53 0,0 54-1,0 52-15,0-35 16,35 88-16,-17-88 16,-1 0-16,1-18 0,0 35 15,-1-34-15,-17-19 16,0 1-16,-17-18 15,-1-18 1,0 1-16,1-19 16,-1 19-16,1-18 0,-1-18 15,18 35-15,35 0 16,-17 18-16,17 0 16,0-17-16,1 17 0,-1 0 15,0 0-15,18 0 16</inkml:trace>
-  <inkml:trace contextRef="#ctx0" brushRef="#br0" timeOffset="35003.2717">22648 12012 0,'0'0'15,"18"0"-15,-18 18 16,-35-1-16,35 1 16,-36 35-1,19-35-15,-1 17 16,18-18-16,18 1 15,-1-18-15,19 0 16,-1 0-16,0-18 16,-17 18-16,17-35 15,-17 35-15,-1-17 16,-17-1 0,18 18-1,-18-18-15,18-17 16,-18 0-16,0 17 0,0-17 15,17-53-15,-17 35 16,0-18 0,0 36-16,-17 17 15,17 54 1,0 69-16,0-16 16,0 87-16,0-70 15,35 70 1,-17-105-16,35 35 15,-36-71-15,18 0 16,-17-35-16,0-18 0,-18-34 16,0 16-1,0 1-15,-18-71 16,18 71-16,-35-36 16,35 36-16,0 17 15,0 1-15,35 17 16,-17 0-16,17 0 15,-17 0-15</inkml:trace>
+  <inkml:trace contextRef="#ctx0" brushRef="#br0" timeOffset="35003.2716">22648 12012 0,'0'0'15,"18"0"-15,-18 18 16,-35-1-16,35 1 16,-36 35-1,19-35-15,-1 17 16,18-18-16,18 1 15,-1-18-15,19 0 16,-1 0-16,0-18 16,-17 18-16,17-35 15,-17 35-15,-1-17 16,-17-1 0,18 18-1,-18-18-15,18-17 16,-18 0-16,0 17 0,0-17 15,17-53-15,-17 35 16,0-18 0,0 36-16,-17 17 15,17 54 1,0 69-16,0-16 16,0 87-16,0-70 15,35 70 1,-17-105-16,35 35 15,-36-71-15,18 0 16,-17-35-16,0-18 0,-18-34 16,0 16-1,0 1-15,-18-71 16,18 71-16,-35-36 16,35 36-16,0 17 15,0 1-15,35 17 16,-17 0-16,17 0 15,-17 0-15</inkml:trace>
   <inkml:trace contextRef="#ctx0" brushRef="#br0" timeOffset="35530.1573">23742 11748 0,'18'0'16,"35"-18"-16,-1 0 16,19 1-1,-18 17-15,-35 0 0,34-18 16,-52 36 15,-35 17-31,0 0 16,35 0-16,-18 36 15,18-36 1,18 18-16,0 0 0,34 35 16,-34-35-16,35 18 15,-35-54-15,17 19 16,-53-36 0,-35 0-1,0-18-15,18 0 0,-18 1 16,-35-1-16,53 18 15,-18 0 1,53 18-16,35-1 16</inkml:trace>
-  <inkml:trace contextRef="#ctx0" brushRef="#br0" timeOffset="36059.725">25206 12083 0,'0'0'15,"0"70"-15,-18-35 0,1 54 16,-1-54-16,18 0 0,18 18 16,-1-35-1,1-18-15,0 0 0,-1 0 16,19-18-16,-1-35 15,-35 36-15,17-54 16,1 53-16,-18 1 0,18 17 31,17 17-31,0 19 16,-17-19-16,0 1 16,34 17-16,-34-35 15,17 0-15,-17 0 16,0-35-1,-18 17-15,-18-17 0,0-36 16,-17 19 0,17 34-16,18 0 15,-17 18-15,17 0 16</inkml:trace>
+  <inkml:trace contextRef="#ctx0" brushRef="#br0" timeOffset="36059.7249">25206 12083 0,'0'0'15,"0"70"-15,-18-35 0,1 54 16,-1-54-16,18 0 0,18 18 16,-1-35-1,1-18-15,0 0 0,-1 0 16,19-18-16,-1-35 15,-35 36-15,17-54 16,1 53-16,-18 1 0,18 17 31,17 17-31,0 19 16,-17-19-16,0 1 16,34 17-16,-34-35 15,17 0-15,-17 0 16,0-35-1,-18 17-15,-18-17 0,0-36 16,-17 19 0,17 34-16,18 0 15,-17 18-15,17 0 16</inkml:trace>
   <inkml:trace contextRef="#ctx0" brushRef="#br0" timeOffset="36303.4629">25718 12330 0,'0'0'0,"0"-18"32,17-17-32,1-1 15,-1-17 1,1 18-16,-18 18 0,0-1 0,0 0 15,18 18-15,-18-17 16,17 34 0,1 1-1,-18 0-15,18-1 0</inkml:trace>
-  <inkml:trace contextRef="#ctx0" brushRef="#br0" timeOffset="36599.7473">26035 12136 0,'0'0'0,"18"0"16,17 0 0,-17 0-16,17 0 15,0-18-15,0 18 0,-17 0 16,17-18-16,-17 18 16,0 0-16,-18-17 15,0-1-15,0 0 16</inkml:trace>
+  <inkml:trace contextRef="#ctx0" brushRef="#br0" timeOffset="36599.7472">26035 12136 0,'0'0'0,"18"0"16,17 0 0,-17 0-16,17 0 15,0-18-15,0 18 0,-17 0 16,17-18-16,-17 18 16,0 0-16,-18-17 15,0-1-15,0 0 16</inkml:trace>
   <inkml:trace contextRef="#ctx0" brushRef="#br0" timeOffset="36760.206">26211 11906 0,'0'0'16,"-17"88"-16,-1-35 0,18 0 0,-18 53 15,36-53-15,0 18 16,17-36-1,0 18-15,-17-36 16</inkml:trace>
   <inkml:trace contextRef="#ctx0" brushRef="#br0" timeOffset="36881.5836">26441 12330 0,'0'0'0,"17"0"0,1 0 16,0 17-1,-1-17 1</inkml:trace>
-  <inkml:trace contextRef="#ctx0" brushRef="#br0" timeOffset="37766.6635">27534 12012 0,'0'0'15,"0"-35"-15,0 17 0,-17-17 16,17 17-16,-18 1 0,0 17 16,1 0-16,-36 0 15,18 17-15,-1 1 16,1 0-16,-18 52 15,18-17-15,-18 35 16,35-35-16,36 35 16,0-52-16,17-1 15,0 0-15,18-17 0,18-18 16,-19 0-16,19 0 16,-18-18-16,0 1 0,0-1 15,-18-17-15,0-1 0,1-34 16,-36 34-16,-18 1 15,0 0-15,-17 0 0,-53-36 16,35 53-16,-53-34 16,53 52-16,-35 0 15,70 17-15,-17 18 16,35 1-16,53 34 16,-18-34-16,71 16 15,-35-34 1,35 17-16,-54-35 15,37 0-15,-72 0 16</inkml:trace>
+  <inkml:trace contextRef="#ctx0" brushRef="#br0" timeOffset="37766.6634">27534 12012 0,'0'0'15,"0"-35"-15,0 17 0,-17-17 16,17 17-16,-18 1 0,0 17 16,1 0-16,-36 0 15,18 17-15,-1 1 16,1 0-16,-18 52 15,18-17-15,-18 35 16,35-35-16,36 35 16,0-52-16,17-1 15,0 0-15,18-17 0,18-18 16,-19 0-16,19 0 16,-18-18-16,0 1 0,0-1 15,-18-17-15,0-1 0,1-34 16,-36 34-16,-18 1 15,0 0-15,-17 0 0,-53-36 16,35 53-16,-53-34 16,53 52-16,-35 0 15,70 17-15,-17 18 16,35 1-16,53 34 16,-18-34-16,71 16 15,-35-34 1,35 17-16,-54-35 15,37 0-15,-72 0 16</inkml:trace>
   <inkml:trace contextRef="#ctx0" brushRef="#br0" timeOffset="38929.4013">25594 11236 0,'0'-18'15,"0"36"-15,35 17 16,-17-17 0,0 17-16,17-17 0,53 35 15,-53-36-15,71 19 16,-35-36-16,70 0 16,-35 0-16,105-36 15,-87 19-15,17-1 16,141 0-1,-141 18-15,124 18 16,-142 0-16,18-1 0,1-17 16,-1 18-16,0 0 0,159-18 15,-124 0-15,-17 0 16,17-18-16,1 18 0,-1 0 16,18-18-16,-18 18 15,212 0-15,-211 0 16,140 0-16,-176-17 15,89 17-15,-142 0 16,53-18-16,-70 18 16,34 0-1,-52 0-15,18 0 16,-53 0-16,-1 0 0,1-18 16,-1 1 15,1 17-16,35 0-15,-35 0 16,-1 0-16,19 0 16,-36-18-16,0 1 15,-18-1-15,0-17 0</inkml:trace>
   <inkml:trace contextRef="#ctx0" brushRef="#br0" timeOffset="80570.6104">15910 13741 0,'0'0'0,"0"-18"0,18 18 15,35-18 1,-18 18-16,36-17 15,-18 17-15,70-18 16,-70 1-16,53-1 16,-53 0-16,17 18 15,-52-17-15,0 17 16</inkml:trace>
   <inkml:trace contextRef="#ctx0" brushRef="#br0" timeOffset="80898.5783">16298 13776 0,'0'35'15,"0"-70"-15,18 123 16,-18-53-16,35 1 15,18 17-15,-18-18 16,1-17-16,34 34 16,-52-16-16,17 17 15,-35-36-15,0 1 16,-17 35-16,-19-53 16,-34 35-16,-18-17 15,-18-18 1,53 0-16,0 0 15,-18 17-15,36-17 0,17 0 16</inkml:trace>
   <inkml:trace contextRef="#ctx0" brushRef="#br0" timeOffset="134259.0487">20108 13670 0,'0'159'0,"18"-71"15,-18 88-15,18-105 16,-18-18-16,17 0 0,19 35 15,-19-70 1</inkml:trace>
-  <inkml:trace contextRef="#ctx0" brushRef="#br0" timeOffset="134475.6865">20267 13988 0,'-70'53'16,"34"-36"-16,142-87 0,-229 158 0,87-53 15,36-17-15,18 17 16,0 0-16,52-17 16,-35 0-16,54-1 15,-54-17-15</inkml:trace>
+  <inkml:trace contextRef="#ctx0" brushRef="#br0" timeOffset="134475.6864">20267 13988 0,'-70'53'16,"34"-36"-16,142-87 0,-229 158 0,87-53 15,36-17-15,18 17 16,0 0-16,52-17 16,-35 0-16,54-1 15,-54-17-15</inkml:trace>
   <inkml:trace contextRef="#ctx0" brushRef="#br0" timeOffset="134815.3783">20461 14182 0,'35'17'0,"-17"-17"15,35 0-15,-35 0 16,17 0-16,0-17 16,-17-1-16,-18 0 15,0 1-15,0-1 0,0-17 16,-18 35-16,-17-18 16,17 18-16,-17 0 15,17 18-15,1 17 16,17 0-1,0 18-15,17-35 16,19 35-16,-1-35 16,35-18-16,-34 0 15,17 0-15,-36-18 16,1 18-16</inkml:trace>
   <inkml:trace contextRef="#ctx0" brushRef="#br0" timeOffset="135177.3174">20849 14235 0,'0'0'15,"0"17"-15,18-17 0,-1 0 16,1 0-16,35-17 15,-35 17-15,-1-18 16,1 0-16,-18 1 16,-18-19-16,18 19 15,-17-1-15,-1 18 0,0-18 16,-17 1 0,0 34-16,17 1 15,18 17-15,0-17 16,18 35-16,-1-35 15,36 17-15,-17-35 16,-1 18-16,0-18 16,-17 0-16,17-18 0,0 0 15,-17 18-15</inkml:trace>
   <inkml:trace contextRef="#ctx0" brushRef="#br0" timeOffset="135520.7416">21220 14252 0,'17'124'16,"-34"-248"-16,52 301 0,-17-124 0,17 52 15,-18-69-15,1-1 0,-18-17 16,0-1-16,0-34 16,-35-19-1,35-17-15,-18 18 16,1-71-16,-1 36 15,18-54-15,18 71 16,-18 0-16,52 18 16,-34 35-16,35 0 15,-35 18-15,17 17 16,-35 0-16,0-17 16,-18 17-16,1-17 15,-1 0-15,-17-1 16,-1-17-1,19 0-15,-1 0 0,18-17 16</inkml:trace>
@@ -697,7 +693,7 @@
   <inkml:trace contextRef="#ctx0" brushRef="#br0" timeOffset="137301.0309">23530 14111 0,'53'0'16,"-106"0"-16,141 0 0,-52 0 15,-19 0-15,19 0 16</inkml:trace>
   <inkml:trace contextRef="#ctx0" brushRef="#br0" timeOffset="137584.6281">23989 13705 0,'0'0'0,"0"71"15,0-36-15,0 18 0,18 53 16,-18-53 0,17 0-16,1 53 15,-18-71-15,17 36 16,-17-54-16,0 1 0,18-18 16</inkml:trace>
   <inkml:trace contextRef="#ctx0" brushRef="#br0" timeOffset="137749.7047">24306 14076 0,'0'17'15,"0"-34"-15,18 52 0,-18-17 16,18-1-1</inkml:trace>
-  <inkml:trace contextRef="#ctx0" brushRef="#br0" timeOffset="138039.8967">24712 13935 0,'0'0'15,"0"17"-15,-18 19 16,1-1-16,-1 53 16,18-53-16,0 54 15,18-54-15,35 0 16,-18-17 0,36-18-16,-19-18 15,19-35-15,-36 36 16,-17-19-16,0-52 15,-18 35-15,-71-35 16,18 70-16,0 1 16,-17 17-16,-89 0 15</inkml:trace>
+  <inkml:trace contextRef="#ctx0" brushRef="#br0" timeOffset="138039.8966">24712 13935 0,'0'0'15,"0"17"-15,-18 19 16,1-1-16,-1 53 16,18-53-16,0 54 15,18-54-15,35 0 16,-18-17 0,36-18-16,-19-18 15,19-35-15,-36 36 16,-17-19-16,0-52 15,-18 35-15,-71-35 16,18 70-16,0 1 16,-17 17-16,-89 0 15</inkml:trace>
   <inkml:trace contextRef="#ctx0" brushRef="#br0" timeOffset="168916.2293">20126 14817 0,'18'0'47,"-1"0"0,1 0-31,0 0-16,34 17 15,-16-17-15,34 0 16,-34 0 0,87-17-16,-70 17 15,88-36-15,-53 36 16,71-35-16,-71 35 16,18-18-16,106-17 15,-106 35-15,158-35 16,-140 17-16,17 1 15,123-1-15,-140 18 16,-1 0-16,1 0 0,17 18 16,-18-18-16,18 0 0,142 17 15,-142-17 1,159 0-16,-142 0 16,-17 0-16,159 0 15,-35 0-15,-142 0 16,-17 0-16,35 0 15,-88 0-15,-17 18 16,-72-36 0,-17 18-1</inkml:trace>
   <inkml:trace contextRef="#ctx0" brushRef="#br0" timeOffset="193869.3369">5838 17480 0,'0'0'15,"0"35"1,0 1 0,0 70-1,0-54-15,0 1 0,0-17 16,0 17-16,36-1 15,-36-34-15,17 0 0,19-18 16,-19 0 0,-17-18-16,18 0 0,0-17 0,-18 18 15,17-1-15,-17 0 16,18 18-16,17 36 16,-17-19-16,17 1 15,18 35-15,-18-36 16,1 1-16,-1-18 0,18 0 15,-36 0 1,1-53-16,-18 35 16,-18-70-16,1 35 15,-36-35-15,18 35 16,-18-17 0,53 52-16,0 0 0,17 18 15,19 0 1,16 18-16,-16 0 15</inkml:trace>
   <inkml:trace contextRef="#ctx0" brushRef="#br0" timeOffset="194313.9405">6720 17903 0,'0'18'16,"0"0"-1,0 17 1,0-17-16,0 17 16,-17-17-16,17 17 15,-18-17-15</inkml:trace>
@@ -791,7 +787,7 @@
           <a:p>
             <a:fld id="{7627361B-9EE3-994B-868D-94E57ECC4CDF}" type="datetimeFigureOut">
               <a:rPr lang="en-US" smtClean="0"/>
-              <a:t>8/5/2017</a:t>
+              <a:t>12/19/2018</a:t>
             </a:fld>
             <a:endParaRPr lang="en-US"/>
           </a:p>
@@ -1187,7 +1183,7 @@
           <a:p>
             <a:fld id="{456513CB-B5C6-794C-B9FC-914286F7D4D4}" type="datetimeFigureOut">
               <a:rPr lang="en-US" smtClean="0"/>
-              <a:t>8/5/2017</a:t>
+              <a:t>12/19/2018</a:t>
             </a:fld>
             <a:endParaRPr lang="en-US"/>
           </a:p>
@@ -1355,7 +1351,7 @@
           <a:p>
             <a:fld id="{456513CB-B5C6-794C-B9FC-914286F7D4D4}" type="datetimeFigureOut">
               <a:rPr lang="en-US" smtClean="0"/>
-              <a:t>8/5/2017</a:t>
+              <a:t>12/19/2018</a:t>
             </a:fld>
             <a:endParaRPr lang="en-US"/>
           </a:p>
@@ -1533,7 +1529,7 @@
           <a:p>
             <a:fld id="{456513CB-B5C6-794C-B9FC-914286F7D4D4}" type="datetimeFigureOut">
               <a:rPr lang="en-US" smtClean="0"/>
-              <a:t>8/5/2017</a:t>
+              <a:t>12/19/2018</a:t>
             </a:fld>
             <a:endParaRPr lang="en-US"/>
           </a:p>
@@ -1714,7 +1710,7 @@
           <a:p>
             <a:fld id="{456513CB-B5C6-794C-B9FC-914286F7D4D4}" type="datetimeFigureOut">
               <a:rPr lang="en-US" smtClean="0"/>
-              <a:t>8/5/2017</a:t>
+              <a:t>12/19/2018</a:t>
             </a:fld>
             <a:endParaRPr lang="en-US"/>
           </a:p>
@@ -1988,7 +1984,7 @@
           <a:p>
             <a:fld id="{456513CB-B5C6-794C-B9FC-914286F7D4D4}" type="datetimeFigureOut">
               <a:rPr lang="en-US" smtClean="0"/>
-              <a:t>8/5/2017</a:t>
+              <a:t>12/19/2018</a:t>
             </a:fld>
             <a:endParaRPr lang="en-US"/>
           </a:p>
@@ -2217,7 +2213,7 @@
           <a:p>
             <a:fld id="{456513CB-B5C6-794C-B9FC-914286F7D4D4}" type="datetimeFigureOut">
               <a:rPr lang="en-US" smtClean="0"/>
-              <a:t>8/5/2017</a:t>
+              <a:t>12/19/2018</a:t>
             </a:fld>
             <a:endParaRPr lang="en-US"/>
           </a:p>
@@ -2581,7 +2577,7 @@
           <a:p>
             <a:fld id="{456513CB-B5C6-794C-B9FC-914286F7D4D4}" type="datetimeFigureOut">
               <a:rPr lang="en-US" smtClean="0"/>
-              <a:t>8/5/2017</a:t>
+              <a:t>12/19/2018</a:t>
             </a:fld>
             <a:endParaRPr lang="en-US"/>
           </a:p>
@@ -2698,7 +2694,7 @@
           <a:p>
             <a:fld id="{456513CB-B5C6-794C-B9FC-914286F7D4D4}" type="datetimeFigureOut">
               <a:rPr lang="en-US" smtClean="0"/>
-              <a:t>8/5/2017</a:t>
+              <a:t>12/19/2018</a:t>
             </a:fld>
             <a:endParaRPr lang="en-US"/>
           </a:p>
@@ -2793,7 +2789,7 @@
           <a:p>
             <a:fld id="{456513CB-B5C6-794C-B9FC-914286F7D4D4}" type="datetimeFigureOut">
               <a:rPr lang="en-US" smtClean="0"/>
-              <a:t>8/5/2017</a:t>
+              <a:t>12/19/2018</a:t>
             </a:fld>
             <a:endParaRPr lang="en-US"/>
           </a:p>
@@ -3068,7 +3064,7 @@
           <a:p>
             <a:fld id="{456513CB-B5C6-794C-B9FC-914286F7D4D4}" type="datetimeFigureOut">
               <a:rPr lang="en-US" smtClean="0"/>
-              <a:t>8/5/2017</a:t>
+              <a:t>12/19/2018</a:t>
             </a:fld>
             <a:endParaRPr lang="en-US"/>
           </a:p>
@@ -3320,7 +3316,7 @@
           <a:p>
             <a:fld id="{456513CB-B5C6-794C-B9FC-914286F7D4D4}" type="datetimeFigureOut">
               <a:rPr lang="en-US" smtClean="0"/>
-              <a:t>8/5/2017</a:t>
+              <a:t>12/19/2018</a:t>
             </a:fld>
             <a:endParaRPr lang="en-US"/>
           </a:p>
@@ -3531,7 +3527,7 @@
           <a:p>
             <a:fld id="{456513CB-B5C6-794C-B9FC-914286F7D4D4}" type="datetimeFigureOut">
               <a:rPr lang="en-US" smtClean="0"/>
-              <a:t>8/5/2017</a:t>
+              <a:t>12/19/2018</a:t>
             </a:fld>
             <a:endParaRPr lang="en-US"/>
           </a:p>
